--- a/119/NETMOD/draft-aelhassany-anydata-validation.pptx
+++ b/119/NETMOD/draft-aelhassany-anydata-validation.pptx
@@ -124,17 +124,896 @@
 </p:presentation>
 </file>
 
-<file path=ppt/revisionInfo.xml><?xml version="1.0" encoding="utf-8"?>
-<p1510:revInfo xmlns:a="http://schemas.openxmlformats.org/drawingml/2006/main" xmlns:r="http://schemas.openxmlformats.org/officeDocument/2006/relationships" xmlns:p1510="http://schemas.microsoft.com/office/powerpoint/2015/10/main">
-  <p1510:revLst>
-    <p1510:client id="{01AC2C85-998E-4AD4-9ACA-8A8578A23497}" v="2" dt="2024-03-05T13:33:40.669"/>
-    <p1510:client id="{A47D5A21-D820-4251-9DE3-0EE7A7287481}" v="11" dt="2024-03-06T12:13:37.180"/>
-  </p1510:revLst>
-</p1510:revInfo>
-</file>
-
 <file path=ppt/changesInfos/changesInfo1.xml><?xml version="1.0" encoding="utf-8"?>
 <pc:chgInfo xmlns:a="http://schemas.openxmlformats.org/drawingml/2006/main" xmlns:r="http://schemas.openxmlformats.org/officeDocument/2006/relationships" xmlns:ac="http://schemas.microsoft.com/office/drawing/2013/main/command" xmlns:pc="http://schemas.microsoft.com/office/powerpoint/2013/main/command">
+  <pc:docChgLst>
+    <pc:chgData name="Graf Thomas, INI-NET-VNC-HCS" userId="487bc3e3-9ce7-4cdd-b7b4-8899ea88d289" providerId="ADAL" clId="{01AC2C85-998E-4AD4-9ACA-8A8578A23497}"/>
+    <pc:docChg chg="undo custSel addSld delSld modSld sldOrd">
+      <pc:chgData name="Graf Thomas, INI-NET-VNC-HCS" userId="487bc3e3-9ce7-4cdd-b7b4-8899ea88d289" providerId="ADAL" clId="{01AC2C85-998E-4AD4-9ACA-8A8578A23497}" dt="2024-03-05T13:36:55.836" v="656" actId="207"/>
+      <pc:docMkLst>
+        <pc:docMk/>
+      </pc:docMkLst>
+      <pc:sldChg chg="modSp mod">
+        <pc:chgData name="Graf Thomas, INI-NET-VNC-HCS" userId="487bc3e3-9ce7-4cdd-b7b4-8899ea88d289" providerId="ADAL" clId="{01AC2C85-998E-4AD4-9ACA-8A8578A23497}" dt="2024-03-05T12:01:30.637" v="32" actId="20577"/>
+        <pc:sldMkLst>
+          <pc:docMk/>
+          <pc:sldMk cId="3578665336" sldId="1041"/>
+        </pc:sldMkLst>
+        <pc:spChg chg="mod">
+          <ac:chgData name="Graf Thomas, INI-NET-VNC-HCS" userId="487bc3e3-9ce7-4cdd-b7b4-8899ea88d289" providerId="ADAL" clId="{01AC2C85-998E-4AD4-9ACA-8A8578A23497}" dt="2024-03-05T12:01:18.571" v="7" actId="20577"/>
+          <ac:spMkLst>
+            <pc:docMk/>
+            <pc:sldMk cId="3578665336" sldId="1041"/>
+            <ac:spMk id="5" creationId="{C26208B2-0D10-4C23-B2DE-372A62E98644}"/>
+          </ac:spMkLst>
+        </pc:spChg>
+        <pc:spChg chg="mod">
+          <ac:chgData name="Graf Thomas, INI-NET-VNC-HCS" userId="487bc3e3-9ce7-4cdd-b7b4-8899ea88d289" providerId="ADAL" clId="{01AC2C85-998E-4AD4-9ACA-8A8578A23497}" dt="2024-03-05T12:01:30.637" v="32" actId="20577"/>
+          <ac:spMkLst>
+            <pc:docMk/>
+            <pc:sldMk cId="3578665336" sldId="1041"/>
+            <ac:spMk id="6" creationId="{6CAA0765-1318-4A03-8F91-D3ECC43D8FA7}"/>
+          </ac:spMkLst>
+        </pc:spChg>
+      </pc:sldChg>
+      <pc:sldChg chg="modSp mod">
+        <pc:chgData name="Graf Thomas, INI-NET-VNC-HCS" userId="487bc3e3-9ce7-4cdd-b7b4-8899ea88d289" providerId="ADAL" clId="{01AC2C85-998E-4AD4-9ACA-8A8578A23497}" dt="2024-03-05T13:36:55.836" v="656" actId="207"/>
+        <pc:sldMkLst>
+          <pc:docMk/>
+          <pc:sldMk cId="2578889968" sldId="26415"/>
+        </pc:sldMkLst>
+        <pc:spChg chg="mod">
+          <ac:chgData name="Graf Thomas, INI-NET-VNC-HCS" userId="487bc3e3-9ce7-4cdd-b7b4-8899ea88d289" providerId="ADAL" clId="{01AC2C85-998E-4AD4-9ACA-8A8578A23497}" dt="2024-03-05T13:36:55.836" v="656" actId="207"/>
+          <ac:spMkLst>
+            <pc:docMk/>
+            <pc:sldMk cId="2578889968" sldId="26415"/>
+            <ac:spMk id="3" creationId="{29C0DFD4-432D-4B0C-93DF-790441DCF5B9}"/>
+          </ac:spMkLst>
+        </pc:spChg>
+        <pc:spChg chg="mod">
+          <ac:chgData name="Graf Thomas, INI-NET-VNC-HCS" userId="487bc3e3-9ce7-4cdd-b7b4-8899ea88d289" providerId="ADAL" clId="{01AC2C85-998E-4AD4-9ACA-8A8578A23497}" dt="2024-03-05T13:35:00.583" v="609" actId="20577"/>
+          <ac:spMkLst>
+            <pc:docMk/>
+            <pc:sldMk cId="2578889968" sldId="26415"/>
+            <ac:spMk id="7" creationId="{BF6DCC5D-2508-4A9B-B734-C8C5147F93FB}"/>
+          </ac:spMkLst>
+        </pc:spChg>
+      </pc:sldChg>
+      <pc:sldChg chg="del">
+        <pc:chgData name="Graf Thomas, INI-NET-VNC-HCS" userId="487bc3e3-9ce7-4cdd-b7b4-8899ea88d289" providerId="ADAL" clId="{01AC2C85-998E-4AD4-9ACA-8A8578A23497}" dt="2024-03-05T12:02:14.099" v="33" actId="2696"/>
+        <pc:sldMkLst>
+          <pc:docMk/>
+          <pc:sldMk cId="2256840188" sldId="2145706235"/>
+        </pc:sldMkLst>
+      </pc:sldChg>
+      <pc:sldChg chg="addSp delSp modSp add mod ord">
+        <pc:chgData name="Graf Thomas, INI-NET-VNC-HCS" userId="487bc3e3-9ce7-4cdd-b7b4-8899ea88d289" providerId="ADAL" clId="{01AC2C85-998E-4AD4-9ACA-8A8578A23497}" dt="2024-03-05T13:36:04.814" v="654" actId="1076"/>
+        <pc:sldMkLst>
+          <pc:docMk/>
+          <pc:sldMk cId="2249733078" sldId="2145706239"/>
+        </pc:sldMkLst>
+        <pc:spChg chg="add del mod">
+          <ac:chgData name="Graf Thomas, INI-NET-VNC-HCS" userId="487bc3e3-9ce7-4cdd-b7b4-8899ea88d289" providerId="ADAL" clId="{01AC2C85-998E-4AD4-9ACA-8A8578A23497}" dt="2024-03-05T13:35:49.932" v="649" actId="478"/>
+          <ac:spMkLst>
+            <pc:docMk/>
+            <pc:sldMk cId="2249733078" sldId="2145706239"/>
+            <ac:spMk id="4" creationId="{305DE381-FFB3-5EE4-D857-51F3BD78B506}"/>
+          </ac:spMkLst>
+        </pc:spChg>
+        <pc:spChg chg="mod">
+          <ac:chgData name="Graf Thomas, INI-NET-VNC-HCS" userId="487bc3e3-9ce7-4cdd-b7b4-8899ea88d289" providerId="ADAL" clId="{01AC2C85-998E-4AD4-9ACA-8A8578A23497}" dt="2024-03-05T13:22:30.202" v="300" actId="113"/>
+          <ac:spMkLst>
+            <pc:docMk/>
+            <pc:sldMk cId="2249733078" sldId="2145706239"/>
+            <ac:spMk id="5" creationId="{0194B37B-813A-99FE-7B78-4D87D8C30D44}"/>
+          </ac:spMkLst>
+        </pc:spChg>
+        <pc:spChg chg="add mod">
+          <ac:chgData name="Graf Thomas, INI-NET-VNC-HCS" userId="487bc3e3-9ce7-4cdd-b7b4-8899ea88d289" providerId="ADAL" clId="{01AC2C85-998E-4AD4-9ACA-8A8578A23497}" dt="2024-03-05T13:36:04.814" v="654" actId="1076"/>
+          <ac:spMkLst>
+            <pc:docMk/>
+            <pc:sldMk cId="2249733078" sldId="2145706239"/>
+            <ac:spMk id="7" creationId="{33891599-1C33-654D-733C-99580AE756F1}"/>
+          </ac:spMkLst>
+        </pc:spChg>
+        <pc:spChg chg="mod">
+          <ac:chgData name="Graf Thomas, INI-NET-VNC-HCS" userId="487bc3e3-9ce7-4cdd-b7b4-8899ea88d289" providerId="ADAL" clId="{01AC2C85-998E-4AD4-9ACA-8A8578A23497}" dt="2024-03-05T13:35:31.599" v="648" actId="20577"/>
+          <ac:spMkLst>
+            <pc:docMk/>
+            <pc:sldMk cId="2249733078" sldId="2145706239"/>
+            <ac:spMk id="18" creationId="{B283EDB4-CFDF-D6B9-8AF9-9CFA563360E3}"/>
+          </ac:spMkLst>
+        </pc:spChg>
+        <pc:spChg chg="mod">
+          <ac:chgData name="Graf Thomas, INI-NET-VNC-HCS" userId="487bc3e3-9ce7-4cdd-b7b4-8899ea88d289" providerId="ADAL" clId="{01AC2C85-998E-4AD4-9ACA-8A8578A23497}" dt="2024-03-05T12:04:13.256" v="65"/>
+          <ac:spMkLst>
+            <pc:docMk/>
+            <pc:sldMk cId="2249733078" sldId="2145706239"/>
+            <ac:spMk id="19" creationId="{56D79134-17A9-8BC8-B7D0-97BCFFB9A6B2}"/>
+          </ac:spMkLst>
+        </pc:spChg>
+        <pc:picChg chg="add mod">
+          <ac:chgData name="Graf Thomas, INI-NET-VNC-HCS" userId="487bc3e3-9ce7-4cdd-b7b4-8899ea88d289" providerId="ADAL" clId="{01AC2C85-998E-4AD4-9ACA-8A8578A23497}" dt="2024-03-05T13:23:01.472" v="303" actId="1076"/>
+          <ac:picMkLst>
+            <pc:docMk/>
+            <pc:sldMk cId="2249733078" sldId="2145706239"/>
+            <ac:picMk id="3" creationId="{80EF3365-92B8-4BFF-5B4A-D90DDCF803B4}"/>
+          </ac:picMkLst>
+        </pc:picChg>
+      </pc:sldChg>
+      <pc:sldChg chg="addSp delSp modSp add del mod">
+        <pc:chgData name="Graf Thomas, INI-NET-VNC-HCS" userId="487bc3e3-9ce7-4cdd-b7b4-8899ea88d289" providerId="ADAL" clId="{01AC2C85-998E-4AD4-9ACA-8A8578A23497}" dt="2024-03-05T13:26:55.897" v="324" actId="2696"/>
+        <pc:sldMkLst>
+          <pc:docMk/>
+          <pc:sldMk cId="1850790457" sldId="2145706240"/>
+        </pc:sldMkLst>
+        <pc:spChg chg="mod">
+          <ac:chgData name="Graf Thomas, INI-NET-VNC-HCS" userId="487bc3e3-9ce7-4cdd-b7b4-8899ea88d289" providerId="ADAL" clId="{01AC2C85-998E-4AD4-9ACA-8A8578A23497}" dt="2024-03-05T13:25:42.915" v="313" actId="1076"/>
+          <ac:spMkLst>
+            <pc:docMk/>
+            <pc:sldMk cId="1850790457" sldId="2145706240"/>
+            <ac:spMk id="4" creationId="{305DE381-FFB3-5EE4-D857-51F3BD78B506}"/>
+          </ac:spMkLst>
+        </pc:spChg>
+        <pc:spChg chg="add del mod">
+          <ac:chgData name="Graf Thomas, INI-NET-VNC-HCS" userId="487bc3e3-9ce7-4cdd-b7b4-8899ea88d289" providerId="ADAL" clId="{01AC2C85-998E-4AD4-9ACA-8A8578A23497}" dt="2024-03-05T13:26:53.519" v="323"/>
+          <ac:spMkLst>
+            <pc:docMk/>
+            <pc:sldMk cId="1850790457" sldId="2145706240"/>
+            <ac:spMk id="7" creationId="{932F77E2-F144-5176-57B2-4F3C74AAE600}"/>
+          </ac:spMkLst>
+        </pc:spChg>
+        <pc:spChg chg="del">
+          <ac:chgData name="Graf Thomas, INI-NET-VNC-HCS" userId="487bc3e3-9ce7-4cdd-b7b4-8899ea88d289" providerId="ADAL" clId="{01AC2C85-998E-4AD4-9ACA-8A8578A23497}" dt="2024-03-05T13:26:31.689" v="314" actId="478"/>
+          <ac:spMkLst>
+            <pc:docMk/>
+            <pc:sldMk cId="1850790457" sldId="2145706240"/>
+            <ac:spMk id="18" creationId="{B283EDB4-CFDF-D6B9-8AF9-9CFA563360E3}"/>
+          </ac:spMkLst>
+        </pc:spChg>
+        <pc:picChg chg="del">
+          <ac:chgData name="Graf Thomas, INI-NET-VNC-HCS" userId="487bc3e3-9ce7-4cdd-b7b4-8899ea88d289" providerId="ADAL" clId="{01AC2C85-998E-4AD4-9ACA-8A8578A23497}" dt="2024-03-05T13:25:35.516" v="310" actId="478"/>
+          <ac:picMkLst>
+            <pc:docMk/>
+            <pc:sldMk cId="1850790457" sldId="2145706240"/>
+            <ac:picMk id="3" creationId="{80EF3365-92B8-4BFF-5B4A-D90DDCF803B4}"/>
+          </ac:picMkLst>
+        </pc:picChg>
+        <pc:picChg chg="add del mod">
+          <ac:chgData name="Graf Thomas, INI-NET-VNC-HCS" userId="487bc3e3-9ce7-4cdd-b7b4-8899ea88d289" providerId="ADAL" clId="{01AC2C85-998E-4AD4-9ACA-8A8578A23497}" dt="2024-03-05T13:26:49.733" v="320" actId="478"/>
+          <ac:picMkLst>
+            <pc:docMk/>
+            <pc:sldMk cId="1850790457" sldId="2145706240"/>
+            <ac:picMk id="9" creationId="{6F2C047D-BBF5-AC3D-2BF0-8AA312CF4D74}"/>
+          </ac:picMkLst>
+        </pc:picChg>
+      </pc:sldChg>
+    </pc:docChg>
+  </pc:docChgLst>
+  <pc:docChgLst>
+    <pc:chgData name="Graf Thomas, INI-NET-VNC-HCS" userId="487bc3e3-9ce7-4cdd-b7b4-8899ea88d289" providerId="ADAL" clId="{A47D5A21-D820-4251-9DE3-0EE7A7287481}"/>
+    <pc:docChg chg="undo custSel addSld delSld modSld sldOrd">
+      <pc:chgData name="Graf Thomas, INI-NET-VNC-HCS" userId="487bc3e3-9ce7-4cdd-b7b4-8899ea88d289" providerId="ADAL" clId="{A47D5A21-D820-4251-9DE3-0EE7A7287481}" dt="2024-03-06T12:16:50.226" v="1740"/>
+      <pc:docMkLst>
+        <pc:docMk/>
+      </pc:docMkLst>
+      <pc:sldChg chg="modSp mod">
+        <pc:chgData name="Graf Thomas, INI-NET-VNC-HCS" userId="487bc3e3-9ce7-4cdd-b7b4-8899ea88d289" providerId="ADAL" clId="{A47D5A21-D820-4251-9DE3-0EE7A7287481}" dt="2024-03-06T07:56:24.608" v="45" actId="20577"/>
+        <pc:sldMkLst>
+          <pc:docMk/>
+          <pc:sldMk cId="3578665336" sldId="1041"/>
+        </pc:sldMkLst>
+        <pc:spChg chg="mod">
+          <ac:chgData name="Graf Thomas, INI-NET-VNC-HCS" userId="487bc3e3-9ce7-4cdd-b7b4-8899ea88d289" providerId="ADAL" clId="{A47D5A21-D820-4251-9DE3-0EE7A7287481}" dt="2024-03-06T07:56:24.608" v="45" actId="20577"/>
+          <ac:spMkLst>
+            <pc:docMk/>
+            <pc:sldMk cId="3578665336" sldId="1041"/>
+            <ac:spMk id="5" creationId="{C26208B2-0D10-4C23-B2DE-372A62E98644}"/>
+          </ac:spMkLst>
+        </pc:spChg>
+        <pc:spChg chg="mod">
+          <ac:chgData name="Graf Thomas, INI-NET-VNC-HCS" userId="487bc3e3-9ce7-4cdd-b7b4-8899ea88d289" providerId="ADAL" clId="{A47D5A21-D820-4251-9DE3-0EE7A7287481}" dt="2024-03-06T07:55:18.982" v="10" actId="20577"/>
+          <ac:spMkLst>
+            <pc:docMk/>
+            <pc:sldMk cId="3578665336" sldId="1041"/>
+            <ac:spMk id="6" creationId="{6CAA0765-1318-4A03-8F91-D3ECC43D8FA7}"/>
+          </ac:spMkLst>
+        </pc:spChg>
+      </pc:sldChg>
+      <pc:sldChg chg="modSp mod ord">
+        <pc:chgData name="Graf Thomas, INI-NET-VNC-HCS" userId="487bc3e3-9ce7-4cdd-b7b4-8899ea88d289" providerId="ADAL" clId="{A47D5A21-D820-4251-9DE3-0EE7A7287481}" dt="2024-03-06T08:42:50.020" v="1458"/>
+        <pc:sldMkLst>
+          <pc:docMk/>
+          <pc:sldMk cId="2578889968" sldId="26415"/>
+        </pc:sldMkLst>
+        <pc:spChg chg="mod">
+          <ac:chgData name="Graf Thomas, INI-NET-VNC-HCS" userId="487bc3e3-9ce7-4cdd-b7b4-8899ea88d289" providerId="ADAL" clId="{A47D5A21-D820-4251-9DE3-0EE7A7287481}" dt="2024-03-06T07:58:02.982" v="47" actId="20577"/>
+          <ac:spMkLst>
+            <pc:docMk/>
+            <pc:sldMk cId="2578889968" sldId="26415"/>
+            <ac:spMk id="7" creationId="{BF6DCC5D-2508-4A9B-B734-C8C5147F93FB}"/>
+          </ac:spMkLst>
+        </pc:spChg>
+      </pc:sldChg>
+      <pc:sldChg chg="modSp mod">
+        <pc:chgData name="Graf Thomas, INI-NET-VNC-HCS" userId="487bc3e3-9ce7-4cdd-b7b4-8899ea88d289" providerId="ADAL" clId="{A47D5A21-D820-4251-9DE3-0EE7A7287481}" dt="2024-03-06T07:59:58.859" v="49" actId="20577"/>
+        <pc:sldMkLst>
+          <pc:docMk/>
+          <pc:sldMk cId="320697580" sldId="26425"/>
+        </pc:sldMkLst>
+        <pc:spChg chg="mod">
+          <ac:chgData name="Graf Thomas, INI-NET-VNC-HCS" userId="487bc3e3-9ce7-4cdd-b7b4-8899ea88d289" providerId="ADAL" clId="{A47D5A21-D820-4251-9DE3-0EE7A7287481}" dt="2024-03-06T07:59:58.859" v="49" actId="20577"/>
+          <ac:spMkLst>
+            <pc:docMk/>
+            <pc:sldMk cId="320697580" sldId="26425"/>
+            <ac:spMk id="6" creationId="{ABB61075-2877-B162-7D8F-97EC17B8DF39}"/>
+          </ac:spMkLst>
+        </pc:spChg>
+      </pc:sldChg>
+      <pc:sldChg chg="del">
+        <pc:chgData name="Graf Thomas, INI-NET-VNC-HCS" userId="487bc3e3-9ce7-4cdd-b7b4-8899ea88d289" providerId="ADAL" clId="{A47D5A21-D820-4251-9DE3-0EE7A7287481}" dt="2024-03-06T11:45:24.047" v="1460" actId="47"/>
+        <pc:sldMkLst>
+          <pc:docMk/>
+          <pc:sldMk cId="4069880896" sldId="2145706223"/>
+        </pc:sldMkLst>
+      </pc:sldChg>
+      <pc:sldChg chg="addSp delSp modSp mod">
+        <pc:chgData name="Graf Thomas, INI-NET-VNC-HCS" userId="487bc3e3-9ce7-4cdd-b7b4-8899ea88d289" providerId="ADAL" clId="{A47D5A21-D820-4251-9DE3-0EE7A7287481}" dt="2024-03-06T12:13:48.225" v="1739" actId="1076"/>
+        <pc:sldMkLst>
+          <pc:docMk/>
+          <pc:sldMk cId="1081037514" sldId="2145706225"/>
+        </pc:sldMkLst>
+        <pc:spChg chg="add mod">
+          <ac:chgData name="Graf Thomas, INI-NET-VNC-HCS" userId="487bc3e3-9ce7-4cdd-b7b4-8899ea88d289" providerId="ADAL" clId="{A47D5A21-D820-4251-9DE3-0EE7A7287481}" dt="2024-03-06T12:13:10.597" v="1731" actId="1076"/>
+          <ac:spMkLst>
+            <pc:docMk/>
+            <pc:sldMk cId="1081037514" sldId="2145706225"/>
+            <ac:spMk id="14" creationId="{A1EA8359-DC79-8122-1266-D00A47BFEBE7}"/>
+          </ac:spMkLst>
+        </pc:spChg>
+        <pc:spChg chg="mod">
+          <ac:chgData name="Graf Thomas, INI-NET-VNC-HCS" userId="487bc3e3-9ce7-4cdd-b7b4-8899ea88d289" providerId="ADAL" clId="{A47D5A21-D820-4251-9DE3-0EE7A7287481}" dt="2024-03-06T12:07:28.243" v="1658" actId="20577"/>
+          <ac:spMkLst>
+            <pc:docMk/>
+            <pc:sldMk cId="1081037514" sldId="2145706225"/>
+            <ac:spMk id="29" creationId="{5DF5E834-66E3-AE49-4040-1D628970A3FC}"/>
+          </ac:spMkLst>
+        </pc:spChg>
+        <pc:spChg chg="mod">
+          <ac:chgData name="Graf Thomas, INI-NET-VNC-HCS" userId="487bc3e3-9ce7-4cdd-b7b4-8899ea88d289" providerId="ADAL" clId="{A47D5A21-D820-4251-9DE3-0EE7A7287481}" dt="2024-03-06T12:04:20.645" v="1575" actId="1037"/>
+          <ac:spMkLst>
+            <pc:docMk/>
+            <pc:sldMk cId="1081037514" sldId="2145706225"/>
+            <ac:spMk id="30" creationId="{BA1C20F7-8218-7EF6-0AE8-992862F0E030}"/>
+          </ac:spMkLst>
+        </pc:spChg>
+        <pc:spChg chg="mod">
+          <ac:chgData name="Graf Thomas, INI-NET-VNC-HCS" userId="487bc3e3-9ce7-4cdd-b7b4-8899ea88d289" providerId="ADAL" clId="{A47D5A21-D820-4251-9DE3-0EE7A7287481}" dt="2024-03-06T12:13:30.735" v="1732" actId="21"/>
+          <ac:spMkLst>
+            <pc:docMk/>
+            <pc:sldMk cId="1081037514" sldId="2145706225"/>
+            <ac:spMk id="39" creationId="{E2C5DAC4-E571-363C-E57D-8F3EA7B6E611}"/>
+          </ac:spMkLst>
+        </pc:spChg>
+        <pc:spChg chg="mod">
+          <ac:chgData name="Graf Thomas, INI-NET-VNC-HCS" userId="487bc3e3-9ce7-4cdd-b7b4-8899ea88d289" providerId="ADAL" clId="{A47D5A21-D820-4251-9DE3-0EE7A7287481}" dt="2024-03-06T12:12:32.871" v="1715" actId="1076"/>
+          <ac:spMkLst>
+            <pc:docMk/>
+            <pc:sldMk cId="1081037514" sldId="2145706225"/>
+            <ac:spMk id="41" creationId="{1686B893-78A4-3D56-EECA-A2AEF814D57E}"/>
+          </ac:spMkLst>
+        </pc:spChg>
+        <pc:spChg chg="del">
+          <ac:chgData name="Graf Thomas, INI-NET-VNC-HCS" userId="487bc3e3-9ce7-4cdd-b7b4-8899ea88d289" providerId="ADAL" clId="{A47D5A21-D820-4251-9DE3-0EE7A7287481}" dt="2024-03-06T12:04:05.930" v="1531" actId="478"/>
+          <ac:spMkLst>
+            <pc:docMk/>
+            <pc:sldMk cId="1081037514" sldId="2145706225"/>
+            <ac:spMk id="44" creationId="{0633B95D-D798-3465-C482-2E6F7E2DFE46}"/>
+          </ac:spMkLst>
+        </pc:spChg>
+        <pc:spChg chg="del">
+          <ac:chgData name="Graf Thomas, INI-NET-VNC-HCS" userId="487bc3e3-9ce7-4cdd-b7b4-8899ea88d289" providerId="ADAL" clId="{A47D5A21-D820-4251-9DE3-0EE7A7287481}" dt="2024-03-06T12:04:05.930" v="1531" actId="478"/>
+          <ac:spMkLst>
+            <pc:docMk/>
+            <pc:sldMk cId="1081037514" sldId="2145706225"/>
+            <ac:spMk id="46" creationId="{910C6A2B-4068-DF2D-9256-79E34275A27E}"/>
+          </ac:spMkLst>
+        </pc:spChg>
+        <pc:spChg chg="mod">
+          <ac:chgData name="Graf Thomas, INI-NET-VNC-HCS" userId="487bc3e3-9ce7-4cdd-b7b4-8899ea88d289" providerId="ADAL" clId="{A47D5A21-D820-4251-9DE3-0EE7A7287481}" dt="2024-03-06T12:04:09.459" v="1533" actId="1076"/>
+          <ac:spMkLst>
+            <pc:docMk/>
+            <pc:sldMk cId="1081037514" sldId="2145706225"/>
+            <ac:spMk id="48" creationId="{A48B1DB7-BCDC-5D18-F56D-8A1447F1B8BA}"/>
+          </ac:spMkLst>
+        </pc:spChg>
+        <pc:spChg chg="add mod">
+          <ac:chgData name="Graf Thomas, INI-NET-VNC-HCS" userId="487bc3e3-9ce7-4cdd-b7b4-8899ea88d289" providerId="ADAL" clId="{A47D5A21-D820-4251-9DE3-0EE7A7287481}" dt="2024-03-06T12:13:00.466" v="1730" actId="20577"/>
+          <ac:spMkLst>
+            <pc:docMk/>
+            <pc:sldMk cId="1081037514" sldId="2145706225"/>
+            <ac:spMk id="49" creationId="{9DA38AA2-A8F2-8D1B-FF42-9920ACF088FF}"/>
+          </ac:spMkLst>
+        </pc:spChg>
+        <pc:spChg chg="add mod">
+          <ac:chgData name="Graf Thomas, INI-NET-VNC-HCS" userId="487bc3e3-9ce7-4cdd-b7b4-8899ea88d289" providerId="ADAL" clId="{A47D5A21-D820-4251-9DE3-0EE7A7287481}" dt="2024-03-06T12:13:48.225" v="1739" actId="1076"/>
+          <ac:spMkLst>
+            <pc:docMk/>
+            <pc:sldMk cId="1081037514" sldId="2145706225"/>
+            <ac:spMk id="50" creationId="{E6F4D9EF-7813-54D5-B0A7-BB6DFF65B9B1}"/>
+          </ac:spMkLst>
+        </pc:spChg>
+        <pc:grpChg chg="mod">
+          <ac:chgData name="Graf Thomas, INI-NET-VNC-HCS" userId="487bc3e3-9ce7-4cdd-b7b4-8899ea88d289" providerId="ADAL" clId="{A47D5A21-D820-4251-9DE3-0EE7A7287481}" dt="2024-03-06T12:06:24.309" v="1640" actId="1038"/>
+          <ac:grpSpMkLst>
+            <pc:docMk/>
+            <pc:sldMk cId="1081037514" sldId="2145706225"/>
+            <ac:grpSpMk id="2" creationId="{593A3D2C-AF3C-4647-1B02-6C5086C62287}"/>
+          </ac:grpSpMkLst>
+        </pc:grpChg>
+        <pc:grpChg chg="mod">
+          <ac:chgData name="Graf Thomas, INI-NET-VNC-HCS" userId="487bc3e3-9ce7-4cdd-b7b4-8899ea88d289" providerId="ADAL" clId="{A47D5A21-D820-4251-9DE3-0EE7A7287481}" dt="2024-03-06T12:04:20.645" v="1575" actId="1037"/>
+          <ac:grpSpMkLst>
+            <pc:docMk/>
+            <pc:sldMk cId="1081037514" sldId="2145706225"/>
+            <ac:grpSpMk id="7" creationId="{746914D8-DC97-6FCE-CCEC-831AF8343A92}"/>
+          </ac:grpSpMkLst>
+        </pc:grpChg>
+        <pc:grpChg chg="mod">
+          <ac:chgData name="Graf Thomas, INI-NET-VNC-HCS" userId="487bc3e3-9ce7-4cdd-b7b4-8899ea88d289" providerId="ADAL" clId="{A47D5A21-D820-4251-9DE3-0EE7A7287481}" dt="2024-03-06T12:04:20.645" v="1575" actId="1037"/>
+          <ac:grpSpMkLst>
+            <pc:docMk/>
+            <pc:sldMk cId="1081037514" sldId="2145706225"/>
+            <ac:grpSpMk id="10" creationId="{2A39462A-F04D-B596-7A41-2767D485510C}"/>
+          </ac:grpSpMkLst>
+        </pc:grpChg>
+        <pc:grpChg chg="mod">
+          <ac:chgData name="Graf Thomas, INI-NET-VNC-HCS" userId="487bc3e3-9ce7-4cdd-b7b4-8899ea88d289" providerId="ADAL" clId="{A47D5A21-D820-4251-9DE3-0EE7A7287481}" dt="2024-03-06T12:04:20.645" v="1575" actId="1037"/>
+          <ac:grpSpMkLst>
+            <pc:docMk/>
+            <pc:sldMk cId="1081037514" sldId="2145706225"/>
+            <ac:grpSpMk id="13" creationId="{C27136FF-F3FA-F76D-A713-2F31CB874934}"/>
+          </ac:grpSpMkLst>
+        </pc:grpChg>
+        <pc:grpChg chg="mod">
+          <ac:chgData name="Graf Thomas, INI-NET-VNC-HCS" userId="487bc3e3-9ce7-4cdd-b7b4-8899ea88d289" providerId="ADAL" clId="{A47D5A21-D820-4251-9DE3-0EE7A7287481}" dt="2024-03-06T12:04:20.645" v="1575" actId="1037"/>
+          <ac:grpSpMkLst>
+            <pc:docMk/>
+            <pc:sldMk cId="1081037514" sldId="2145706225"/>
+            <ac:grpSpMk id="17" creationId="{CEB0384D-AE7F-401C-F7FF-BDAEA866A31A}"/>
+          </ac:grpSpMkLst>
+        </pc:grpChg>
+        <pc:grpChg chg="mod">
+          <ac:chgData name="Graf Thomas, INI-NET-VNC-HCS" userId="487bc3e3-9ce7-4cdd-b7b4-8899ea88d289" providerId="ADAL" clId="{A47D5A21-D820-4251-9DE3-0EE7A7287481}" dt="2024-03-06T12:04:20.645" v="1575" actId="1037"/>
+          <ac:grpSpMkLst>
+            <pc:docMk/>
+            <pc:sldMk cId="1081037514" sldId="2145706225"/>
+            <ac:grpSpMk id="20" creationId="{1B5435B3-AE86-5E3B-7DD7-612D9AD30695}"/>
+          </ac:grpSpMkLst>
+        </pc:grpChg>
+        <pc:grpChg chg="mod">
+          <ac:chgData name="Graf Thomas, INI-NET-VNC-HCS" userId="487bc3e3-9ce7-4cdd-b7b4-8899ea88d289" providerId="ADAL" clId="{A47D5A21-D820-4251-9DE3-0EE7A7287481}" dt="2024-03-06T12:04:20.645" v="1575" actId="1037"/>
+          <ac:grpSpMkLst>
+            <pc:docMk/>
+            <pc:sldMk cId="1081037514" sldId="2145706225"/>
+            <ac:grpSpMk id="23" creationId="{43DA79DF-E42D-79DA-2E63-37571E43F0EB}"/>
+          </ac:grpSpMkLst>
+        </pc:grpChg>
+        <pc:picChg chg="mod">
+          <ac:chgData name="Graf Thomas, INI-NET-VNC-HCS" userId="487bc3e3-9ce7-4cdd-b7b4-8899ea88d289" providerId="ADAL" clId="{A47D5A21-D820-4251-9DE3-0EE7A7287481}" dt="2024-03-06T12:04:20.645" v="1575" actId="1037"/>
+          <ac:picMkLst>
+            <pc:docMk/>
+            <pc:sldMk cId="1081037514" sldId="2145706225"/>
+            <ac:picMk id="27" creationId="{2C9830F3-CBF4-D372-DBC5-8AB3BCB5DD2A}"/>
+          </ac:picMkLst>
+        </pc:picChg>
+        <pc:picChg chg="mod">
+          <ac:chgData name="Graf Thomas, INI-NET-VNC-HCS" userId="487bc3e3-9ce7-4cdd-b7b4-8899ea88d289" providerId="ADAL" clId="{A47D5A21-D820-4251-9DE3-0EE7A7287481}" dt="2024-03-06T12:04:20.645" v="1575" actId="1037"/>
+          <ac:picMkLst>
+            <pc:docMk/>
+            <pc:sldMk cId="1081037514" sldId="2145706225"/>
+            <ac:picMk id="28" creationId="{17EB060B-2351-6AC0-7856-F33CB052400F}"/>
+          </ac:picMkLst>
+        </pc:picChg>
+        <pc:picChg chg="mod">
+          <ac:chgData name="Graf Thomas, INI-NET-VNC-HCS" userId="487bc3e3-9ce7-4cdd-b7b4-8899ea88d289" providerId="ADAL" clId="{A47D5A21-D820-4251-9DE3-0EE7A7287481}" dt="2024-03-06T12:04:20.645" v="1575" actId="1037"/>
+          <ac:picMkLst>
+            <pc:docMk/>
+            <pc:sldMk cId="1081037514" sldId="2145706225"/>
+            <ac:picMk id="31" creationId="{17DF8467-9125-3982-1295-79F29C9B0DC8}"/>
+          </ac:picMkLst>
+        </pc:picChg>
+        <pc:picChg chg="mod">
+          <ac:chgData name="Graf Thomas, INI-NET-VNC-HCS" userId="487bc3e3-9ce7-4cdd-b7b4-8899ea88d289" providerId="ADAL" clId="{A47D5A21-D820-4251-9DE3-0EE7A7287481}" dt="2024-03-06T12:06:24.309" v="1640" actId="1038"/>
+          <ac:picMkLst>
+            <pc:docMk/>
+            <pc:sldMk cId="1081037514" sldId="2145706225"/>
+            <ac:picMk id="32" creationId="{C770A491-1DB5-77FC-712B-35F7A47E2F99}"/>
+          </ac:picMkLst>
+        </pc:picChg>
+        <pc:picChg chg="mod">
+          <ac:chgData name="Graf Thomas, INI-NET-VNC-HCS" userId="487bc3e3-9ce7-4cdd-b7b4-8899ea88d289" providerId="ADAL" clId="{A47D5A21-D820-4251-9DE3-0EE7A7287481}" dt="2024-03-06T12:04:20.645" v="1575" actId="1037"/>
+          <ac:picMkLst>
+            <pc:docMk/>
+            <pc:sldMk cId="1081037514" sldId="2145706225"/>
+            <ac:picMk id="33" creationId="{17CD1AF5-AD78-AA80-9E26-C4515CC45BFA}"/>
+          </ac:picMkLst>
+        </pc:picChg>
+        <pc:picChg chg="mod">
+          <ac:chgData name="Graf Thomas, INI-NET-VNC-HCS" userId="487bc3e3-9ce7-4cdd-b7b4-8899ea88d289" providerId="ADAL" clId="{A47D5A21-D820-4251-9DE3-0EE7A7287481}" dt="2024-03-06T12:04:20.645" v="1575" actId="1037"/>
+          <ac:picMkLst>
+            <pc:docMk/>
+            <pc:sldMk cId="1081037514" sldId="2145706225"/>
+            <ac:picMk id="34" creationId="{0DF49D5E-4B86-6869-98D7-DE092FC30B18}"/>
+          </ac:picMkLst>
+        </pc:picChg>
+        <pc:picChg chg="mod">
+          <ac:chgData name="Graf Thomas, INI-NET-VNC-HCS" userId="487bc3e3-9ce7-4cdd-b7b4-8899ea88d289" providerId="ADAL" clId="{A47D5A21-D820-4251-9DE3-0EE7A7287481}" dt="2024-03-06T12:04:20.645" v="1575" actId="1037"/>
+          <ac:picMkLst>
+            <pc:docMk/>
+            <pc:sldMk cId="1081037514" sldId="2145706225"/>
+            <ac:picMk id="35" creationId="{76768564-2BA7-E325-FE43-6D4CE762CDAA}"/>
+          </ac:picMkLst>
+        </pc:picChg>
+        <pc:picChg chg="mod">
+          <ac:chgData name="Graf Thomas, INI-NET-VNC-HCS" userId="487bc3e3-9ce7-4cdd-b7b4-8899ea88d289" providerId="ADAL" clId="{A47D5A21-D820-4251-9DE3-0EE7A7287481}" dt="2024-03-06T12:04:20.645" v="1575" actId="1037"/>
+          <ac:picMkLst>
+            <pc:docMk/>
+            <pc:sldMk cId="1081037514" sldId="2145706225"/>
+            <ac:picMk id="36" creationId="{BA0A7074-FC27-6B8B-F899-8DDE2533BB10}"/>
+          </ac:picMkLst>
+        </pc:picChg>
+        <pc:picChg chg="mod">
+          <ac:chgData name="Graf Thomas, INI-NET-VNC-HCS" userId="487bc3e3-9ce7-4cdd-b7b4-8899ea88d289" providerId="ADAL" clId="{A47D5A21-D820-4251-9DE3-0EE7A7287481}" dt="2024-03-06T12:04:20.645" v="1575" actId="1037"/>
+          <ac:picMkLst>
+            <pc:docMk/>
+            <pc:sldMk cId="1081037514" sldId="2145706225"/>
+            <ac:picMk id="37" creationId="{D966A7CE-25D4-DED2-6D45-788D6CB73BA2}"/>
+          </ac:picMkLst>
+        </pc:picChg>
+        <pc:picChg chg="del">
+          <ac:chgData name="Graf Thomas, INI-NET-VNC-HCS" userId="487bc3e3-9ce7-4cdd-b7b4-8899ea88d289" providerId="ADAL" clId="{A47D5A21-D820-4251-9DE3-0EE7A7287481}" dt="2024-03-06T12:04:05.930" v="1531" actId="478"/>
+          <ac:picMkLst>
+            <pc:docMk/>
+            <pc:sldMk cId="1081037514" sldId="2145706225"/>
+            <ac:picMk id="43" creationId="{D8C02CC5-A9C9-F866-A5DB-BA4EC3307654}"/>
+          </ac:picMkLst>
+        </pc:picChg>
+        <pc:picChg chg="del">
+          <ac:chgData name="Graf Thomas, INI-NET-VNC-HCS" userId="487bc3e3-9ce7-4cdd-b7b4-8899ea88d289" providerId="ADAL" clId="{A47D5A21-D820-4251-9DE3-0EE7A7287481}" dt="2024-03-06T12:04:05.930" v="1531" actId="478"/>
+          <ac:picMkLst>
+            <pc:docMk/>
+            <pc:sldMk cId="1081037514" sldId="2145706225"/>
+            <ac:picMk id="45" creationId="{EFDD0C3B-512D-293E-E727-46B89BD86D4B}"/>
+          </ac:picMkLst>
+        </pc:picChg>
+        <pc:cxnChg chg="mod">
+          <ac:chgData name="Graf Thomas, INI-NET-VNC-HCS" userId="487bc3e3-9ce7-4cdd-b7b4-8899ea88d289" providerId="ADAL" clId="{A47D5A21-D820-4251-9DE3-0EE7A7287481}" dt="2024-03-06T12:04:20.645" v="1575" actId="1037"/>
+          <ac:cxnSpMkLst>
+            <pc:docMk/>
+            <pc:sldMk cId="1081037514" sldId="2145706225"/>
+            <ac:cxnSpMk id="26" creationId="{E14B17EC-9407-E3A2-1F7C-D47095BE2DDB}"/>
+          </ac:cxnSpMkLst>
+        </pc:cxnChg>
+        <pc:cxnChg chg="mod">
+          <ac:chgData name="Graf Thomas, INI-NET-VNC-HCS" userId="487bc3e3-9ce7-4cdd-b7b4-8899ea88d289" providerId="ADAL" clId="{A47D5A21-D820-4251-9DE3-0EE7A7287481}" dt="2024-03-06T12:04:20.645" v="1575" actId="1037"/>
+          <ac:cxnSpMkLst>
+            <pc:docMk/>
+            <pc:sldMk cId="1081037514" sldId="2145706225"/>
+            <ac:cxnSpMk id="38" creationId="{10DC3853-02C8-D495-EDB1-B0129F6F9E30}"/>
+          </ac:cxnSpMkLst>
+        </pc:cxnChg>
+        <pc:cxnChg chg="mod">
+          <ac:chgData name="Graf Thomas, INI-NET-VNC-HCS" userId="487bc3e3-9ce7-4cdd-b7b4-8899ea88d289" providerId="ADAL" clId="{A47D5A21-D820-4251-9DE3-0EE7A7287481}" dt="2024-03-06T12:04:20.645" v="1575" actId="1037"/>
+          <ac:cxnSpMkLst>
+            <pc:docMk/>
+            <pc:sldMk cId="1081037514" sldId="2145706225"/>
+            <ac:cxnSpMk id="40" creationId="{9BC6E6D7-2688-CCDB-6A6C-7880291A8339}"/>
+          </ac:cxnSpMkLst>
+        </pc:cxnChg>
+        <pc:cxnChg chg="mod">
+          <ac:chgData name="Graf Thomas, INI-NET-VNC-HCS" userId="487bc3e3-9ce7-4cdd-b7b4-8899ea88d289" providerId="ADAL" clId="{A47D5A21-D820-4251-9DE3-0EE7A7287481}" dt="2024-03-06T12:04:20.645" v="1575" actId="1037"/>
+          <ac:cxnSpMkLst>
+            <pc:docMk/>
+            <pc:sldMk cId="1081037514" sldId="2145706225"/>
+            <ac:cxnSpMk id="42" creationId="{3CD8EA4A-314A-BB28-E712-414D5F01E35F}"/>
+          </ac:cxnSpMkLst>
+        </pc:cxnChg>
+        <pc:cxnChg chg="mod">
+          <ac:chgData name="Graf Thomas, INI-NET-VNC-HCS" userId="487bc3e3-9ce7-4cdd-b7b4-8899ea88d289" providerId="ADAL" clId="{A47D5A21-D820-4251-9DE3-0EE7A7287481}" dt="2024-03-06T12:06:24.309" v="1640" actId="1038"/>
+          <ac:cxnSpMkLst>
+            <pc:docMk/>
+            <pc:sldMk cId="1081037514" sldId="2145706225"/>
+            <ac:cxnSpMk id="47" creationId="{1E3CC50D-6BF1-E751-D746-D130EE998D4B}"/>
+          </ac:cxnSpMkLst>
+        </pc:cxnChg>
+      </pc:sldChg>
+      <pc:sldChg chg="del">
+        <pc:chgData name="Graf Thomas, INI-NET-VNC-HCS" userId="487bc3e3-9ce7-4cdd-b7b4-8899ea88d289" providerId="ADAL" clId="{A47D5A21-D820-4251-9DE3-0EE7A7287481}" dt="2024-03-06T11:45:20.570" v="1459" actId="47"/>
+        <pc:sldMkLst>
+          <pc:docMk/>
+          <pc:sldMk cId="3384652948" sldId="2145706226"/>
+        </pc:sldMkLst>
+      </pc:sldChg>
+      <pc:sldChg chg="del">
+        <pc:chgData name="Graf Thomas, INI-NET-VNC-HCS" userId="487bc3e3-9ce7-4cdd-b7b4-8899ea88d289" providerId="ADAL" clId="{A47D5A21-D820-4251-9DE3-0EE7A7287481}" dt="2024-03-06T11:45:20.570" v="1459" actId="47"/>
+        <pc:sldMkLst>
+          <pc:docMk/>
+          <pc:sldMk cId="663711217" sldId="2145706234"/>
+        </pc:sldMkLst>
+      </pc:sldChg>
+      <pc:sldChg chg="addSp delSp modSp mod">
+        <pc:chgData name="Graf Thomas, INI-NET-VNC-HCS" userId="487bc3e3-9ce7-4cdd-b7b4-8899ea88d289" providerId="ADAL" clId="{A47D5A21-D820-4251-9DE3-0EE7A7287481}" dt="2024-03-06T08:42:06.947" v="1454" actId="1037"/>
+        <pc:sldMkLst>
+          <pc:docMk/>
+          <pc:sldMk cId="2249733078" sldId="2145706239"/>
+        </pc:sldMkLst>
+        <pc:spChg chg="add mod">
+          <ac:chgData name="Graf Thomas, INI-NET-VNC-HCS" userId="487bc3e3-9ce7-4cdd-b7b4-8899ea88d289" providerId="ADAL" clId="{A47D5A21-D820-4251-9DE3-0EE7A7287481}" dt="2024-03-06T08:19:30.339" v="604" actId="14100"/>
+          <ac:spMkLst>
+            <pc:docMk/>
+            <pc:sldMk cId="2249733078" sldId="2145706239"/>
+            <ac:spMk id="2" creationId="{EBBAF0DF-61DF-B89D-2978-12F7F1BE7C53}"/>
+          </ac:spMkLst>
+        </pc:spChg>
+        <pc:spChg chg="del mod">
+          <ac:chgData name="Graf Thomas, INI-NET-VNC-HCS" userId="487bc3e3-9ce7-4cdd-b7b4-8899ea88d289" providerId="ADAL" clId="{A47D5A21-D820-4251-9DE3-0EE7A7287481}" dt="2024-03-06T08:20:04.337" v="605" actId="478"/>
+          <ac:spMkLst>
+            <pc:docMk/>
+            <pc:sldMk cId="2249733078" sldId="2145706239"/>
+            <ac:spMk id="5" creationId="{0194B37B-813A-99FE-7B78-4D87D8C30D44}"/>
+          </ac:spMkLst>
+        </pc:spChg>
+        <pc:spChg chg="mod">
+          <ac:chgData name="Graf Thomas, INI-NET-VNC-HCS" userId="487bc3e3-9ce7-4cdd-b7b4-8899ea88d289" providerId="ADAL" clId="{A47D5A21-D820-4251-9DE3-0EE7A7287481}" dt="2024-03-06T08:42:06.947" v="1454" actId="1037"/>
+          <ac:spMkLst>
+            <pc:docMk/>
+            <pc:sldMk cId="2249733078" sldId="2145706239"/>
+            <ac:spMk id="7" creationId="{33891599-1C33-654D-733C-99580AE756F1}"/>
+          </ac:spMkLst>
+        </pc:spChg>
+        <pc:spChg chg="del">
+          <ac:chgData name="Graf Thomas, INI-NET-VNC-HCS" userId="487bc3e3-9ce7-4cdd-b7b4-8899ea88d289" providerId="ADAL" clId="{A47D5A21-D820-4251-9DE3-0EE7A7287481}" dt="2024-03-06T08:13:19.192" v="556" actId="478"/>
+          <ac:spMkLst>
+            <pc:docMk/>
+            <pc:sldMk cId="2249733078" sldId="2145706239"/>
+            <ac:spMk id="18" creationId="{B283EDB4-CFDF-D6B9-8AF9-9CFA563360E3}"/>
+          </ac:spMkLst>
+        </pc:spChg>
+        <pc:spChg chg="mod">
+          <ac:chgData name="Graf Thomas, INI-NET-VNC-HCS" userId="487bc3e3-9ce7-4cdd-b7b4-8899ea88d289" providerId="ADAL" clId="{A47D5A21-D820-4251-9DE3-0EE7A7287481}" dt="2024-03-06T08:12:18.980" v="540" actId="20577"/>
+          <ac:spMkLst>
+            <pc:docMk/>
+            <pc:sldMk cId="2249733078" sldId="2145706239"/>
+            <ac:spMk id="19" creationId="{56D79134-17A9-8BC8-B7D0-97BCFFB9A6B2}"/>
+          </ac:spMkLst>
+        </pc:spChg>
+        <pc:picChg chg="mod">
+          <ac:chgData name="Graf Thomas, INI-NET-VNC-HCS" userId="487bc3e3-9ce7-4cdd-b7b4-8899ea88d289" providerId="ADAL" clId="{A47D5A21-D820-4251-9DE3-0EE7A7287481}" dt="2024-03-06T08:20:12.631" v="608" actId="1076"/>
+          <ac:picMkLst>
+            <pc:docMk/>
+            <pc:sldMk cId="2249733078" sldId="2145706239"/>
+            <ac:picMk id="3" creationId="{80EF3365-92B8-4BFF-5B4A-D90DDCF803B4}"/>
+          </ac:picMkLst>
+        </pc:picChg>
+      </pc:sldChg>
+      <pc:sldChg chg="addSp delSp modSp add mod ord">
+        <pc:chgData name="Graf Thomas, INI-NET-VNC-HCS" userId="487bc3e3-9ce7-4cdd-b7b4-8899ea88d289" providerId="ADAL" clId="{A47D5A21-D820-4251-9DE3-0EE7A7287481}" dt="2024-03-06T12:16:50.226" v="1740"/>
+        <pc:sldMkLst>
+          <pc:docMk/>
+          <pc:sldMk cId="540899312" sldId="2145706240"/>
+        </pc:sldMkLst>
+        <pc:spChg chg="mod">
+          <ac:chgData name="Graf Thomas, INI-NET-VNC-HCS" userId="487bc3e3-9ce7-4cdd-b7b4-8899ea88d289" providerId="ADAL" clId="{A47D5A21-D820-4251-9DE3-0EE7A7287481}" dt="2024-03-06T08:07:56.785" v="481" actId="20577"/>
+          <ac:spMkLst>
+            <pc:docMk/>
+            <pc:sldMk cId="540899312" sldId="2145706240"/>
+            <ac:spMk id="3" creationId="{29C0DFD4-432D-4B0C-93DF-790441DCF5B9}"/>
+          </ac:spMkLst>
+        </pc:spChg>
+        <pc:spChg chg="mod">
+          <ac:chgData name="Graf Thomas, INI-NET-VNC-HCS" userId="487bc3e3-9ce7-4cdd-b7b4-8899ea88d289" providerId="ADAL" clId="{A47D5A21-D820-4251-9DE3-0EE7A7287481}" dt="2024-03-06T08:03:02.504" v="91" actId="20577"/>
+          <ac:spMkLst>
+            <pc:docMk/>
+            <pc:sldMk cId="540899312" sldId="2145706240"/>
+            <ac:spMk id="6" creationId="{ABB61075-2877-B162-7D8F-97EC17B8DF39}"/>
+          </ac:spMkLst>
+        </pc:spChg>
+        <pc:spChg chg="mod">
+          <ac:chgData name="Graf Thomas, INI-NET-VNC-HCS" userId="487bc3e3-9ce7-4cdd-b7b4-8899ea88d289" providerId="ADAL" clId="{A47D5A21-D820-4251-9DE3-0EE7A7287481}" dt="2024-03-06T08:09:51.948" v="509" actId="14100"/>
+          <ac:spMkLst>
+            <pc:docMk/>
+            <pc:sldMk cId="540899312" sldId="2145706240"/>
+            <ac:spMk id="7" creationId="{E751AA3A-A181-4E76-CC75-041686EB2C20}"/>
+          </ac:spMkLst>
+        </pc:spChg>
+        <pc:spChg chg="del">
+          <ac:chgData name="Graf Thomas, INI-NET-VNC-HCS" userId="487bc3e3-9ce7-4cdd-b7b4-8899ea88d289" providerId="ADAL" clId="{A47D5A21-D820-4251-9DE3-0EE7A7287481}" dt="2024-03-06T08:02:42.666" v="67" actId="478"/>
+          <ac:spMkLst>
+            <pc:docMk/>
+            <pc:sldMk cId="540899312" sldId="2145706240"/>
+            <ac:spMk id="8" creationId="{8F5B7433-6C2C-9F79-E743-B4F7F3199C49}"/>
+          </ac:spMkLst>
+        </pc:spChg>
+        <pc:spChg chg="del mod">
+          <ac:chgData name="Graf Thomas, INI-NET-VNC-HCS" userId="487bc3e3-9ce7-4cdd-b7b4-8899ea88d289" providerId="ADAL" clId="{A47D5A21-D820-4251-9DE3-0EE7A7287481}" dt="2024-03-06T08:02:40.931" v="65" actId="478"/>
+          <ac:spMkLst>
+            <pc:docMk/>
+            <pc:sldMk cId="540899312" sldId="2145706240"/>
+            <ac:spMk id="9" creationId="{94BED9E1-5205-DBA5-3A77-348AA6C3053F}"/>
+          </ac:spMkLst>
+        </pc:spChg>
+        <pc:spChg chg="mod ord">
+          <ac:chgData name="Graf Thomas, INI-NET-VNC-HCS" userId="487bc3e3-9ce7-4cdd-b7b4-8899ea88d289" providerId="ADAL" clId="{A47D5A21-D820-4251-9DE3-0EE7A7287481}" dt="2024-03-06T12:16:50.226" v="1740"/>
+          <ac:spMkLst>
+            <pc:docMk/>
+            <pc:sldMk cId="540899312" sldId="2145706240"/>
+            <ac:spMk id="17" creationId="{8F78EE4C-6EFD-4363-A98F-3E5608669DF5}"/>
+          </ac:spMkLst>
+        </pc:spChg>
+        <pc:spChg chg="mod">
+          <ac:chgData name="Graf Thomas, INI-NET-VNC-HCS" userId="487bc3e3-9ce7-4cdd-b7b4-8899ea88d289" providerId="ADAL" clId="{A47D5A21-D820-4251-9DE3-0EE7A7287481}" dt="2024-03-06T08:08:52.629" v="495" actId="14100"/>
+          <ac:spMkLst>
+            <pc:docMk/>
+            <pc:sldMk cId="540899312" sldId="2145706240"/>
+            <ac:spMk id="19" creationId="{B0AC9776-B227-44FD-A2AC-1FDE0B6F1445}"/>
+          </ac:spMkLst>
+        </pc:spChg>
+        <pc:spChg chg="add del mod">
+          <ac:chgData name="Graf Thomas, INI-NET-VNC-HCS" userId="487bc3e3-9ce7-4cdd-b7b4-8899ea88d289" providerId="ADAL" clId="{A47D5A21-D820-4251-9DE3-0EE7A7287481}" dt="2024-03-06T08:09:15.077" v="502" actId="478"/>
+          <ac:spMkLst>
+            <pc:docMk/>
+            <pc:sldMk cId="540899312" sldId="2145706240"/>
+            <ac:spMk id="21" creationId="{9106F30F-B7CF-5436-5E34-E5CFC4951F22}"/>
+          </ac:spMkLst>
+        </pc:spChg>
+        <pc:spChg chg="add mod">
+          <ac:chgData name="Graf Thomas, INI-NET-VNC-HCS" userId="487bc3e3-9ce7-4cdd-b7b4-8899ea88d289" providerId="ADAL" clId="{A47D5A21-D820-4251-9DE3-0EE7A7287481}" dt="2024-03-06T08:11:28.703" v="537" actId="1035"/>
+          <ac:spMkLst>
+            <pc:docMk/>
+            <pc:sldMk cId="540899312" sldId="2145706240"/>
+            <ac:spMk id="24" creationId="{1F53FB5C-08C3-503A-DD3F-DC336AED5134}"/>
+          </ac:spMkLst>
+        </pc:spChg>
+        <pc:spChg chg="add mod">
+          <ac:chgData name="Graf Thomas, INI-NET-VNC-HCS" userId="487bc3e3-9ce7-4cdd-b7b4-8899ea88d289" providerId="ADAL" clId="{A47D5A21-D820-4251-9DE3-0EE7A7287481}" dt="2024-03-06T08:11:31.543" v="539" actId="1035"/>
+          <ac:spMkLst>
+            <pc:docMk/>
+            <pc:sldMk cId="540899312" sldId="2145706240"/>
+            <ac:spMk id="25" creationId="{69934E68-7859-6F55-01F2-D3CD39C036AD}"/>
+          </ac:spMkLst>
+        </pc:spChg>
+        <pc:cxnChg chg="add del mod">
+          <ac:chgData name="Graf Thomas, INI-NET-VNC-HCS" userId="487bc3e3-9ce7-4cdd-b7b4-8899ea88d289" providerId="ADAL" clId="{A47D5A21-D820-4251-9DE3-0EE7A7287481}" dt="2024-03-06T08:10:30.262" v="518" actId="478"/>
+          <ac:cxnSpMkLst>
+            <pc:docMk/>
+            <pc:sldMk cId="540899312" sldId="2145706240"/>
+            <ac:cxnSpMk id="5" creationId="{B5C93F77-8663-9285-57A3-E6858FE15544}"/>
+          </ac:cxnSpMkLst>
+        </pc:cxnChg>
+        <pc:cxnChg chg="mod">
+          <ac:chgData name="Graf Thomas, INI-NET-VNC-HCS" userId="487bc3e3-9ce7-4cdd-b7b4-8899ea88d289" providerId="ADAL" clId="{A47D5A21-D820-4251-9DE3-0EE7A7287481}" dt="2024-03-06T08:10:36.823" v="521" actId="14100"/>
+          <ac:cxnSpMkLst>
+            <pc:docMk/>
+            <pc:sldMk cId="540899312" sldId="2145706240"/>
+            <ac:cxnSpMk id="13" creationId="{ABDEEB90-F9DE-4579-466A-4391823DABF7}"/>
+          </ac:cxnSpMkLst>
+        </pc:cxnChg>
+        <pc:cxnChg chg="del">
+          <ac:chgData name="Graf Thomas, INI-NET-VNC-HCS" userId="487bc3e3-9ce7-4cdd-b7b4-8899ea88d289" providerId="ADAL" clId="{A47D5A21-D820-4251-9DE3-0EE7A7287481}" dt="2024-03-06T08:02:39.878" v="64" actId="478"/>
+          <ac:cxnSpMkLst>
+            <pc:docMk/>
+            <pc:sldMk cId="540899312" sldId="2145706240"/>
+            <ac:cxnSpMk id="14" creationId="{971CE727-7DCB-9E98-7B9C-B1ACC28EC9FF}"/>
+          </ac:cxnSpMkLst>
+        </pc:cxnChg>
+        <pc:cxnChg chg="add del mod">
+          <ac:chgData name="Graf Thomas, INI-NET-VNC-HCS" userId="487bc3e3-9ce7-4cdd-b7b4-8899ea88d289" providerId="ADAL" clId="{A47D5A21-D820-4251-9DE3-0EE7A7287481}" dt="2024-03-06T08:10:30.262" v="518" actId="478"/>
+          <ac:cxnSpMkLst>
+            <pc:docMk/>
+            <pc:sldMk cId="540899312" sldId="2145706240"/>
+            <ac:cxnSpMk id="15" creationId="{DD511543-E679-D3D2-84E3-71435C52775B}"/>
+          </ac:cxnSpMkLst>
+        </pc:cxnChg>
+        <pc:cxnChg chg="mod">
+          <ac:chgData name="Graf Thomas, INI-NET-VNC-HCS" userId="487bc3e3-9ce7-4cdd-b7b4-8899ea88d289" providerId="ADAL" clId="{A47D5A21-D820-4251-9DE3-0EE7A7287481}" dt="2024-03-06T08:08:24.973" v="488" actId="14100"/>
+          <ac:cxnSpMkLst>
+            <pc:docMk/>
+            <pc:sldMk cId="540899312" sldId="2145706240"/>
+            <ac:cxnSpMk id="22" creationId="{5EE7A184-4440-4663-A713-45C43FB41FBD}"/>
+          </ac:cxnSpMkLst>
+        </pc:cxnChg>
+        <pc:cxnChg chg="del">
+          <ac:chgData name="Graf Thomas, INI-NET-VNC-HCS" userId="487bc3e3-9ce7-4cdd-b7b4-8899ea88d289" providerId="ADAL" clId="{A47D5A21-D820-4251-9DE3-0EE7A7287481}" dt="2024-03-06T08:02:41.743" v="66" actId="478"/>
+          <ac:cxnSpMkLst>
+            <pc:docMk/>
+            <pc:sldMk cId="540899312" sldId="2145706240"/>
+            <ac:cxnSpMk id="23" creationId="{D8988D8C-34C7-42B3-BD73-F0A5B399F9DF}"/>
+          </ac:cxnSpMkLst>
+        </pc:cxnChg>
+        <pc:cxnChg chg="add mod">
+          <ac:chgData name="Graf Thomas, INI-NET-VNC-HCS" userId="487bc3e3-9ce7-4cdd-b7b4-8899ea88d289" providerId="ADAL" clId="{A47D5A21-D820-4251-9DE3-0EE7A7287481}" dt="2024-03-06T08:10:56.158" v="527" actId="14100"/>
+          <ac:cxnSpMkLst>
+            <pc:docMk/>
+            <pc:sldMk cId="540899312" sldId="2145706240"/>
+            <ac:cxnSpMk id="26" creationId="{26AA4EF1-0515-5E5A-5D45-BE133079F190}"/>
+          </ac:cxnSpMkLst>
+        </pc:cxnChg>
+        <pc:cxnChg chg="add mod">
+          <ac:chgData name="Graf Thomas, INI-NET-VNC-HCS" userId="487bc3e3-9ce7-4cdd-b7b4-8899ea88d289" providerId="ADAL" clId="{A47D5A21-D820-4251-9DE3-0EE7A7287481}" dt="2024-03-06T08:10:43.570" v="523" actId="14100"/>
+          <ac:cxnSpMkLst>
+            <pc:docMk/>
+            <pc:sldMk cId="540899312" sldId="2145706240"/>
+            <ac:cxnSpMk id="27" creationId="{D1F71D91-0AD5-1DD4-6BC3-A469C348859D}"/>
+          </ac:cxnSpMkLst>
+        </pc:cxnChg>
+      </pc:sldChg>
+      <pc:sldChg chg="addSp delSp modSp add mod">
+        <pc:chgData name="Graf Thomas, INI-NET-VNC-HCS" userId="487bc3e3-9ce7-4cdd-b7b4-8899ea88d289" providerId="ADAL" clId="{A47D5A21-D820-4251-9DE3-0EE7A7287481}" dt="2024-03-06T08:34:11.165" v="1002"/>
+        <pc:sldMkLst>
+          <pc:docMk/>
+          <pc:sldMk cId="1152209015" sldId="2145706241"/>
+        </pc:sldMkLst>
+        <pc:spChg chg="del">
+          <ac:chgData name="Graf Thomas, INI-NET-VNC-HCS" userId="487bc3e3-9ce7-4cdd-b7b4-8899ea88d289" providerId="ADAL" clId="{A47D5A21-D820-4251-9DE3-0EE7A7287481}" dt="2024-03-06T08:23:08.868" v="615" actId="478"/>
+          <ac:spMkLst>
+            <pc:docMk/>
+            <pc:sldMk cId="1152209015" sldId="2145706241"/>
+            <ac:spMk id="5" creationId="{0194B37B-813A-99FE-7B78-4D87D8C30D44}"/>
+          </ac:spMkLst>
+        </pc:spChg>
+        <pc:spChg chg="del">
+          <ac:chgData name="Graf Thomas, INI-NET-VNC-HCS" userId="487bc3e3-9ce7-4cdd-b7b4-8899ea88d289" providerId="ADAL" clId="{A47D5A21-D820-4251-9DE3-0EE7A7287481}" dt="2024-03-06T08:23:49.733" v="620" actId="478"/>
+          <ac:spMkLst>
+            <pc:docMk/>
+            <pc:sldMk cId="1152209015" sldId="2145706241"/>
+            <ac:spMk id="7" creationId="{33891599-1C33-654D-733C-99580AE756F1}"/>
+          </ac:spMkLst>
+        </pc:spChg>
+        <pc:spChg chg="add del mod">
+          <ac:chgData name="Graf Thomas, INI-NET-VNC-HCS" userId="487bc3e3-9ce7-4cdd-b7b4-8899ea88d289" providerId="ADAL" clId="{A47D5A21-D820-4251-9DE3-0EE7A7287481}" dt="2024-03-06T08:28:25.770" v="662" actId="478"/>
+          <ac:spMkLst>
+            <pc:docMk/>
+            <pc:sldMk cId="1152209015" sldId="2145706241"/>
+            <ac:spMk id="12" creationId="{72E3852A-9643-A0F7-EA42-826E30A20956}"/>
+          </ac:spMkLst>
+        </pc:spChg>
+        <pc:spChg chg="add mod">
+          <ac:chgData name="Graf Thomas, INI-NET-VNC-HCS" userId="487bc3e3-9ce7-4cdd-b7b4-8899ea88d289" providerId="ADAL" clId="{A47D5A21-D820-4251-9DE3-0EE7A7287481}" dt="2024-03-06T08:33:13.434" v="1000" actId="14100"/>
+          <ac:spMkLst>
+            <pc:docMk/>
+            <pc:sldMk cId="1152209015" sldId="2145706241"/>
+            <ac:spMk id="13" creationId="{493592BC-0380-9705-ADC3-87ACEDBEFCB8}"/>
+          </ac:spMkLst>
+        </pc:spChg>
+        <pc:spChg chg="del mod">
+          <ac:chgData name="Graf Thomas, INI-NET-VNC-HCS" userId="487bc3e3-9ce7-4cdd-b7b4-8899ea88d289" providerId="ADAL" clId="{A47D5A21-D820-4251-9DE3-0EE7A7287481}" dt="2024-03-06T08:28:25.770" v="662" actId="478"/>
+          <ac:spMkLst>
+            <pc:docMk/>
+            <pc:sldMk cId="1152209015" sldId="2145706241"/>
+            <ac:spMk id="18" creationId="{B283EDB4-CFDF-D6B9-8AF9-9CFA563360E3}"/>
+          </ac:spMkLst>
+        </pc:spChg>
+        <pc:spChg chg="mod ord">
+          <ac:chgData name="Graf Thomas, INI-NET-VNC-HCS" userId="487bc3e3-9ce7-4cdd-b7b4-8899ea88d289" providerId="ADAL" clId="{A47D5A21-D820-4251-9DE3-0EE7A7287481}" dt="2024-03-06T08:34:11.165" v="1002"/>
+          <ac:spMkLst>
+            <pc:docMk/>
+            <pc:sldMk cId="1152209015" sldId="2145706241"/>
+            <ac:spMk id="19" creationId="{56D79134-17A9-8BC8-B7D0-97BCFFB9A6B2}"/>
+          </ac:spMkLst>
+        </pc:spChg>
+        <pc:picChg chg="del">
+          <ac:chgData name="Graf Thomas, INI-NET-VNC-HCS" userId="487bc3e3-9ce7-4cdd-b7b4-8899ea88d289" providerId="ADAL" clId="{A47D5A21-D820-4251-9DE3-0EE7A7287481}" dt="2024-03-06T08:23:10.579" v="616" actId="478"/>
+          <ac:picMkLst>
+            <pc:docMk/>
+            <pc:sldMk cId="1152209015" sldId="2145706241"/>
+            <ac:picMk id="3" creationId="{80EF3365-92B8-4BFF-5B4A-D90DDCF803B4}"/>
+          </ac:picMkLst>
+        </pc:picChg>
+        <pc:picChg chg="add del mod">
+          <ac:chgData name="Graf Thomas, INI-NET-VNC-HCS" userId="487bc3e3-9ce7-4cdd-b7b4-8899ea88d289" providerId="ADAL" clId="{A47D5A21-D820-4251-9DE3-0EE7A7287481}" dt="2024-03-06T08:24:19.907" v="622" actId="478"/>
+          <ac:picMkLst>
+            <pc:docMk/>
+            <pc:sldMk cId="1152209015" sldId="2145706241"/>
+            <ac:picMk id="4" creationId="{4A504816-27EF-6849-221E-44744933C16F}"/>
+          </ac:picMkLst>
+        </pc:picChg>
+        <pc:picChg chg="add mod">
+          <ac:chgData name="Graf Thomas, INI-NET-VNC-HCS" userId="487bc3e3-9ce7-4cdd-b7b4-8899ea88d289" providerId="ADAL" clId="{A47D5A21-D820-4251-9DE3-0EE7A7287481}" dt="2024-03-06T08:26:50.956" v="659" actId="1076"/>
+          <ac:picMkLst>
+            <pc:docMk/>
+            <pc:sldMk cId="1152209015" sldId="2145706241"/>
+            <ac:picMk id="9" creationId="{E42F4B34-76CD-F72D-9B81-89CB1330329D}"/>
+          </ac:picMkLst>
+        </pc:picChg>
+        <pc:picChg chg="add del">
+          <ac:chgData name="Graf Thomas, INI-NET-VNC-HCS" userId="487bc3e3-9ce7-4cdd-b7b4-8899ea88d289" providerId="ADAL" clId="{A47D5A21-D820-4251-9DE3-0EE7A7287481}" dt="2024-03-06T08:24:52.187" v="627" actId="478"/>
+          <ac:picMkLst>
+            <pc:docMk/>
+            <pc:sldMk cId="1152209015" sldId="2145706241"/>
+            <ac:picMk id="11" creationId="{CB909C06-14D6-EA59-6069-BB7A3F4E1F7F}"/>
+          </ac:picMkLst>
+        </pc:picChg>
+      </pc:sldChg>
+      <pc:sldChg chg="modSp add mod">
+        <pc:chgData name="Graf Thomas, INI-NET-VNC-HCS" userId="487bc3e3-9ce7-4cdd-b7b4-8899ea88d289" providerId="ADAL" clId="{A47D5A21-D820-4251-9DE3-0EE7A7287481}" dt="2024-03-06T08:41:03.419" v="1449"/>
+        <pc:sldMkLst>
+          <pc:docMk/>
+          <pc:sldMk cId="2617504443" sldId="2145706242"/>
+        </pc:sldMkLst>
+        <pc:spChg chg="mod">
+          <ac:chgData name="Graf Thomas, INI-NET-VNC-HCS" userId="487bc3e3-9ce7-4cdd-b7b4-8899ea88d289" providerId="ADAL" clId="{A47D5A21-D820-4251-9DE3-0EE7A7287481}" dt="2024-03-06T08:35:16.352" v="1004"/>
+          <ac:spMkLst>
+            <pc:docMk/>
+            <pc:sldMk cId="2617504443" sldId="2145706242"/>
+            <ac:spMk id="2" creationId="{FF20F271-6F0D-4AC0-BB1D-F5C338165C13}"/>
+          </ac:spMkLst>
+        </pc:spChg>
+        <pc:spChg chg="mod">
+          <ac:chgData name="Graf Thomas, INI-NET-VNC-HCS" userId="487bc3e3-9ce7-4cdd-b7b4-8899ea88d289" providerId="ADAL" clId="{A47D5A21-D820-4251-9DE3-0EE7A7287481}" dt="2024-03-06T08:41:03.419" v="1449"/>
+          <ac:spMkLst>
+            <pc:docMk/>
+            <pc:sldMk cId="2617504443" sldId="2145706242"/>
+            <ac:spMk id="3" creationId="{29C0DFD4-432D-4B0C-93DF-790441DCF5B9}"/>
+          </ac:spMkLst>
+        </pc:spChg>
+      </pc:sldChg>
+    </pc:docChg>
+  </pc:docChgLst>
+  <pc:docChgLst>
+    <pc:chgData name="Graf Thomas, INI-NET-VNC-HCS" userId="487bc3e3-9ce7-4cdd-b7b4-8899ea88d289" providerId="ADAL" clId="{C59D7F3E-F77D-4EA0-9806-2B35E992283A}"/>
+    <pc:docChg chg="modSld">
+      <pc:chgData name="Graf Thomas, INI-NET-VNC-HCS" userId="487bc3e3-9ce7-4cdd-b7b4-8899ea88d289" providerId="ADAL" clId="{C59D7F3E-F77D-4EA0-9806-2B35E992283A}" dt="2024-03-15T03:00:40.839" v="78" actId="20577"/>
+      <pc:docMkLst>
+        <pc:docMk/>
+      </pc:docMkLst>
+      <pc:sldChg chg="modSp mod">
+        <pc:chgData name="Graf Thomas, INI-NET-VNC-HCS" userId="487bc3e3-9ce7-4cdd-b7b4-8899ea88d289" providerId="ADAL" clId="{C59D7F3E-F77D-4EA0-9806-2B35E992283A}" dt="2024-03-15T03:00:40.839" v="78" actId="20577"/>
+        <pc:sldMkLst>
+          <pc:docMk/>
+          <pc:sldMk cId="2940965592" sldId="2145706247"/>
+        </pc:sldMkLst>
+        <pc:spChg chg="mod">
+          <ac:chgData name="Graf Thomas, INI-NET-VNC-HCS" userId="487bc3e3-9ce7-4cdd-b7b4-8899ea88d289" providerId="ADAL" clId="{C59D7F3E-F77D-4EA0-9806-2B35E992283A}" dt="2024-03-15T03:00:40.839" v="78" actId="20577"/>
+          <ac:spMkLst>
+            <pc:docMk/>
+            <pc:sldMk cId="2940965592" sldId="2145706247"/>
+            <ac:spMk id="3" creationId="{046400A0-9B11-68F1-E192-C39E9EF1889A}"/>
+          </ac:spMkLst>
+        </pc:spChg>
+      </pc:sldChg>
+      <pc:sldChg chg="modSp mod">
+        <pc:chgData name="Graf Thomas, INI-NET-VNC-HCS" userId="487bc3e3-9ce7-4cdd-b7b4-8899ea88d289" providerId="ADAL" clId="{C59D7F3E-F77D-4EA0-9806-2B35E992283A}" dt="2024-03-15T03:00:15.019" v="76" actId="13926"/>
+        <pc:sldMkLst>
+          <pc:docMk/>
+          <pc:sldMk cId="2308411298" sldId="2145706248"/>
+        </pc:sldMkLst>
+        <pc:spChg chg="mod">
+          <ac:chgData name="Graf Thomas, INI-NET-VNC-HCS" userId="487bc3e3-9ce7-4cdd-b7b4-8899ea88d289" providerId="ADAL" clId="{C59D7F3E-F77D-4EA0-9806-2B35E992283A}" dt="2024-03-15T03:00:15.019" v="76" actId="13926"/>
+          <ac:spMkLst>
+            <pc:docMk/>
+            <pc:sldMk cId="2308411298" sldId="2145706248"/>
+            <ac:spMk id="3" creationId="{0459A7D2-4B5A-C400-0506-00A6A8140FF9}"/>
+          </ac:spMkLst>
+        </pc:spChg>
+      </pc:sldChg>
+      <pc:sldChg chg="modSp mod">
+        <pc:chgData name="Graf Thomas, INI-NET-VNC-HCS" userId="487bc3e3-9ce7-4cdd-b7b4-8899ea88d289" providerId="ADAL" clId="{C59D7F3E-F77D-4EA0-9806-2B35E992283A}" dt="2024-03-15T02:57:39.007" v="47" actId="13926"/>
+        <pc:sldMkLst>
+          <pc:docMk/>
+          <pc:sldMk cId="3893817371" sldId="2145706251"/>
+        </pc:sldMkLst>
+        <pc:spChg chg="mod">
+          <ac:chgData name="Graf Thomas, INI-NET-VNC-HCS" userId="487bc3e3-9ce7-4cdd-b7b4-8899ea88d289" providerId="ADAL" clId="{C59D7F3E-F77D-4EA0-9806-2B35E992283A}" dt="2024-03-15T02:57:39.007" v="47" actId="13926"/>
+          <ac:spMkLst>
+            <pc:docMk/>
+            <pc:sldMk cId="3893817371" sldId="2145706251"/>
+            <ac:spMk id="9" creationId="{A0B0E221-5B1A-F83D-CEF4-09DC642300FE}"/>
+          </ac:spMkLst>
+        </pc:spChg>
+      </pc:sldChg>
+    </pc:docChg>
+  </pc:docChgLst>
   <pc:docChgLst>
     <pc:chgData name="Graf Thomas, INI-NET-VNC-HCS" userId="487bc3e3-9ce7-4cdd-b7b4-8899ea88d289" providerId="ADAL" clId="{FF1E8771-B1E8-4CEC-B725-4345F27D3194}"/>
     <pc:docChg chg="undo redo custSel addSld delSld modSld sldOrd">
@@ -1595,170 +2474,6 @@
     </pc:docChg>
   </pc:docChgLst>
   <pc:docChgLst>
-    <pc:chgData name="Graf Thomas, INI-NET-VNC-HCS" userId="487bc3e3-9ce7-4cdd-b7b4-8899ea88d289" providerId="ADAL" clId="{01AC2C85-998E-4AD4-9ACA-8A8578A23497}"/>
-    <pc:docChg chg="undo custSel addSld delSld modSld sldOrd">
-      <pc:chgData name="Graf Thomas, INI-NET-VNC-HCS" userId="487bc3e3-9ce7-4cdd-b7b4-8899ea88d289" providerId="ADAL" clId="{01AC2C85-998E-4AD4-9ACA-8A8578A23497}" dt="2024-03-05T13:36:55.836" v="656" actId="207"/>
-      <pc:docMkLst>
-        <pc:docMk/>
-      </pc:docMkLst>
-      <pc:sldChg chg="modSp mod">
-        <pc:chgData name="Graf Thomas, INI-NET-VNC-HCS" userId="487bc3e3-9ce7-4cdd-b7b4-8899ea88d289" providerId="ADAL" clId="{01AC2C85-998E-4AD4-9ACA-8A8578A23497}" dt="2024-03-05T12:01:30.637" v="32" actId="20577"/>
-        <pc:sldMkLst>
-          <pc:docMk/>
-          <pc:sldMk cId="3578665336" sldId="1041"/>
-        </pc:sldMkLst>
-        <pc:spChg chg="mod">
-          <ac:chgData name="Graf Thomas, INI-NET-VNC-HCS" userId="487bc3e3-9ce7-4cdd-b7b4-8899ea88d289" providerId="ADAL" clId="{01AC2C85-998E-4AD4-9ACA-8A8578A23497}" dt="2024-03-05T12:01:18.571" v="7" actId="20577"/>
-          <ac:spMkLst>
-            <pc:docMk/>
-            <pc:sldMk cId="3578665336" sldId="1041"/>
-            <ac:spMk id="5" creationId="{C26208B2-0D10-4C23-B2DE-372A62E98644}"/>
-          </ac:spMkLst>
-        </pc:spChg>
-        <pc:spChg chg="mod">
-          <ac:chgData name="Graf Thomas, INI-NET-VNC-HCS" userId="487bc3e3-9ce7-4cdd-b7b4-8899ea88d289" providerId="ADAL" clId="{01AC2C85-998E-4AD4-9ACA-8A8578A23497}" dt="2024-03-05T12:01:30.637" v="32" actId="20577"/>
-          <ac:spMkLst>
-            <pc:docMk/>
-            <pc:sldMk cId="3578665336" sldId="1041"/>
-            <ac:spMk id="6" creationId="{6CAA0765-1318-4A03-8F91-D3ECC43D8FA7}"/>
-          </ac:spMkLst>
-        </pc:spChg>
-      </pc:sldChg>
-      <pc:sldChg chg="modSp mod">
-        <pc:chgData name="Graf Thomas, INI-NET-VNC-HCS" userId="487bc3e3-9ce7-4cdd-b7b4-8899ea88d289" providerId="ADAL" clId="{01AC2C85-998E-4AD4-9ACA-8A8578A23497}" dt="2024-03-05T13:36:55.836" v="656" actId="207"/>
-        <pc:sldMkLst>
-          <pc:docMk/>
-          <pc:sldMk cId="2578889968" sldId="26415"/>
-        </pc:sldMkLst>
-        <pc:spChg chg="mod">
-          <ac:chgData name="Graf Thomas, INI-NET-VNC-HCS" userId="487bc3e3-9ce7-4cdd-b7b4-8899ea88d289" providerId="ADAL" clId="{01AC2C85-998E-4AD4-9ACA-8A8578A23497}" dt="2024-03-05T13:36:55.836" v="656" actId="207"/>
-          <ac:spMkLst>
-            <pc:docMk/>
-            <pc:sldMk cId="2578889968" sldId="26415"/>
-            <ac:spMk id="3" creationId="{29C0DFD4-432D-4B0C-93DF-790441DCF5B9}"/>
-          </ac:spMkLst>
-        </pc:spChg>
-        <pc:spChg chg="mod">
-          <ac:chgData name="Graf Thomas, INI-NET-VNC-HCS" userId="487bc3e3-9ce7-4cdd-b7b4-8899ea88d289" providerId="ADAL" clId="{01AC2C85-998E-4AD4-9ACA-8A8578A23497}" dt="2024-03-05T13:35:00.583" v="609" actId="20577"/>
-          <ac:spMkLst>
-            <pc:docMk/>
-            <pc:sldMk cId="2578889968" sldId="26415"/>
-            <ac:spMk id="7" creationId="{BF6DCC5D-2508-4A9B-B734-C8C5147F93FB}"/>
-          </ac:spMkLst>
-        </pc:spChg>
-      </pc:sldChg>
-      <pc:sldChg chg="del">
-        <pc:chgData name="Graf Thomas, INI-NET-VNC-HCS" userId="487bc3e3-9ce7-4cdd-b7b4-8899ea88d289" providerId="ADAL" clId="{01AC2C85-998E-4AD4-9ACA-8A8578A23497}" dt="2024-03-05T12:02:14.099" v="33" actId="2696"/>
-        <pc:sldMkLst>
-          <pc:docMk/>
-          <pc:sldMk cId="2256840188" sldId="2145706235"/>
-        </pc:sldMkLst>
-      </pc:sldChg>
-      <pc:sldChg chg="addSp delSp modSp add mod ord">
-        <pc:chgData name="Graf Thomas, INI-NET-VNC-HCS" userId="487bc3e3-9ce7-4cdd-b7b4-8899ea88d289" providerId="ADAL" clId="{01AC2C85-998E-4AD4-9ACA-8A8578A23497}" dt="2024-03-05T13:36:04.814" v="654" actId="1076"/>
-        <pc:sldMkLst>
-          <pc:docMk/>
-          <pc:sldMk cId="2249733078" sldId="2145706239"/>
-        </pc:sldMkLst>
-        <pc:spChg chg="add del mod">
-          <ac:chgData name="Graf Thomas, INI-NET-VNC-HCS" userId="487bc3e3-9ce7-4cdd-b7b4-8899ea88d289" providerId="ADAL" clId="{01AC2C85-998E-4AD4-9ACA-8A8578A23497}" dt="2024-03-05T13:35:49.932" v="649" actId="478"/>
-          <ac:spMkLst>
-            <pc:docMk/>
-            <pc:sldMk cId="2249733078" sldId="2145706239"/>
-            <ac:spMk id="4" creationId="{305DE381-FFB3-5EE4-D857-51F3BD78B506}"/>
-          </ac:spMkLst>
-        </pc:spChg>
-        <pc:spChg chg="mod">
-          <ac:chgData name="Graf Thomas, INI-NET-VNC-HCS" userId="487bc3e3-9ce7-4cdd-b7b4-8899ea88d289" providerId="ADAL" clId="{01AC2C85-998E-4AD4-9ACA-8A8578A23497}" dt="2024-03-05T13:22:30.202" v="300" actId="113"/>
-          <ac:spMkLst>
-            <pc:docMk/>
-            <pc:sldMk cId="2249733078" sldId="2145706239"/>
-            <ac:spMk id="5" creationId="{0194B37B-813A-99FE-7B78-4D87D8C30D44}"/>
-          </ac:spMkLst>
-        </pc:spChg>
-        <pc:spChg chg="add mod">
-          <ac:chgData name="Graf Thomas, INI-NET-VNC-HCS" userId="487bc3e3-9ce7-4cdd-b7b4-8899ea88d289" providerId="ADAL" clId="{01AC2C85-998E-4AD4-9ACA-8A8578A23497}" dt="2024-03-05T13:36:04.814" v="654" actId="1076"/>
-          <ac:spMkLst>
-            <pc:docMk/>
-            <pc:sldMk cId="2249733078" sldId="2145706239"/>
-            <ac:spMk id="7" creationId="{33891599-1C33-654D-733C-99580AE756F1}"/>
-          </ac:spMkLst>
-        </pc:spChg>
-        <pc:spChg chg="mod">
-          <ac:chgData name="Graf Thomas, INI-NET-VNC-HCS" userId="487bc3e3-9ce7-4cdd-b7b4-8899ea88d289" providerId="ADAL" clId="{01AC2C85-998E-4AD4-9ACA-8A8578A23497}" dt="2024-03-05T13:35:31.599" v="648" actId="20577"/>
-          <ac:spMkLst>
-            <pc:docMk/>
-            <pc:sldMk cId="2249733078" sldId="2145706239"/>
-            <ac:spMk id="18" creationId="{B283EDB4-CFDF-D6B9-8AF9-9CFA563360E3}"/>
-          </ac:spMkLst>
-        </pc:spChg>
-        <pc:spChg chg="mod">
-          <ac:chgData name="Graf Thomas, INI-NET-VNC-HCS" userId="487bc3e3-9ce7-4cdd-b7b4-8899ea88d289" providerId="ADAL" clId="{01AC2C85-998E-4AD4-9ACA-8A8578A23497}" dt="2024-03-05T12:04:13.256" v="65"/>
-          <ac:spMkLst>
-            <pc:docMk/>
-            <pc:sldMk cId="2249733078" sldId="2145706239"/>
-            <ac:spMk id="19" creationId="{56D79134-17A9-8BC8-B7D0-97BCFFB9A6B2}"/>
-          </ac:spMkLst>
-        </pc:spChg>
-        <pc:picChg chg="add mod">
-          <ac:chgData name="Graf Thomas, INI-NET-VNC-HCS" userId="487bc3e3-9ce7-4cdd-b7b4-8899ea88d289" providerId="ADAL" clId="{01AC2C85-998E-4AD4-9ACA-8A8578A23497}" dt="2024-03-05T13:23:01.472" v="303" actId="1076"/>
-          <ac:picMkLst>
-            <pc:docMk/>
-            <pc:sldMk cId="2249733078" sldId="2145706239"/>
-            <ac:picMk id="3" creationId="{80EF3365-92B8-4BFF-5B4A-D90DDCF803B4}"/>
-          </ac:picMkLst>
-        </pc:picChg>
-      </pc:sldChg>
-      <pc:sldChg chg="addSp delSp modSp add del mod">
-        <pc:chgData name="Graf Thomas, INI-NET-VNC-HCS" userId="487bc3e3-9ce7-4cdd-b7b4-8899ea88d289" providerId="ADAL" clId="{01AC2C85-998E-4AD4-9ACA-8A8578A23497}" dt="2024-03-05T13:26:55.897" v="324" actId="2696"/>
-        <pc:sldMkLst>
-          <pc:docMk/>
-          <pc:sldMk cId="1850790457" sldId="2145706240"/>
-        </pc:sldMkLst>
-        <pc:spChg chg="mod">
-          <ac:chgData name="Graf Thomas, INI-NET-VNC-HCS" userId="487bc3e3-9ce7-4cdd-b7b4-8899ea88d289" providerId="ADAL" clId="{01AC2C85-998E-4AD4-9ACA-8A8578A23497}" dt="2024-03-05T13:25:42.915" v="313" actId="1076"/>
-          <ac:spMkLst>
-            <pc:docMk/>
-            <pc:sldMk cId="1850790457" sldId="2145706240"/>
-            <ac:spMk id="4" creationId="{305DE381-FFB3-5EE4-D857-51F3BD78B506}"/>
-          </ac:spMkLst>
-        </pc:spChg>
-        <pc:spChg chg="add del mod">
-          <ac:chgData name="Graf Thomas, INI-NET-VNC-HCS" userId="487bc3e3-9ce7-4cdd-b7b4-8899ea88d289" providerId="ADAL" clId="{01AC2C85-998E-4AD4-9ACA-8A8578A23497}" dt="2024-03-05T13:26:53.519" v="323"/>
-          <ac:spMkLst>
-            <pc:docMk/>
-            <pc:sldMk cId="1850790457" sldId="2145706240"/>
-            <ac:spMk id="7" creationId="{932F77E2-F144-5176-57B2-4F3C74AAE600}"/>
-          </ac:spMkLst>
-        </pc:spChg>
-        <pc:spChg chg="del">
-          <ac:chgData name="Graf Thomas, INI-NET-VNC-HCS" userId="487bc3e3-9ce7-4cdd-b7b4-8899ea88d289" providerId="ADAL" clId="{01AC2C85-998E-4AD4-9ACA-8A8578A23497}" dt="2024-03-05T13:26:31.689" v="314" actId="478"/>
-          <ac:spMkLst>
-            <pc:docMk/>
-            <pc:sldMk cId="1850790457" sldId="2145706240"/>
-            <ac:spMk id="18" creationId="{B283EDB4-CFDF-D6B9-8AF9-9CFA563360E3}"/>
-          </ac:spMkLst>
-        </pc:spChg>
-        <pc:picChg chg="del">
-          <ac:chgData name="Graf Thomas, INI-NET-VNC-HCS" userId="487bc3e3-9ce7-4cdd-b7b4-8899ea88d289" providerId="ADAL" clId="{01AC2C85-998E-4AD4-9ACA-8A8578A23497}" dt="2024-03-05T13:25:35.516" v="310" actId="478"/>
-          <ac:picMkLst>
-            <pc:docMk/>
-            <pc:sldMk cId="1850790457" sldId="2145706240"/>
-            <ac:picMk id="3" creationId="{80EF3365-92B8-4BFF-5B4A-D90DDCF803B4}"/>
-          </ac:picMkLst>
-        </pc:picChg>
-        <pc:picChg chg="add del mod">
-          <ac:chgData name="Graf Thomas, INI-NET-VNC-HCS" userId="487bc3e3-9ce7-4cdd-b7b4-8899ea88d289" providerId="ADAL" clId="{01AC2C85-998E-4AD4-9ACA-8A8578A23497}" dt="2024-03-05T13:26:49.733" v="320" actId="478"/>
-          <ac:picMkLst>
-            <pc:docMk/>
-            <pc:sldMk cId="1850790457" sldId="2145706240"/>
-            <ac:picMk id="9" creationId="{6F2C047D-BBF5-AC3D-2BF0-8AA312CF4D74}"/>
-          </ac:picMkLst>
-        </pc:picChg>
-      </pc:sldChg>
-    </pc:docChg>
-  </pc:docChgLst>
-  <pc:docChgLst>
     <pc:chgData name="Thomas Graf" userId="487bc3e3-9ce7-4cdd-b7b4-8899ea88d289" providerId="ADAL" clId="{FF1E8771-B1E8-4CEC-B725-4345F27D3194}"/>
     <pc:docChg chg="undo custSel addSld delSld modSld">
       <pc:chgData name="Thomas Graf" userId="487bc3e3-9ce7-4cdd-b7b4-8899ea88d289" providerId="ADAL" clId="{FF1E8771-B1E8-4CEC-B725-4345F27D3194}" dt="2023-11-08T08:22:46.257" v="2148" actId="20577"/>
@@ -2292,676 +3007,6 @@
             <pc:docMk/>
             <pc:sldMk cId="3864283889" sldId="2145706236"/>
             <ac:spMk id="19" creationId="{56D79134-17A9-8BC8-B7D0-97BCFFB9A6B2}"/>
-          </ac:spMkLst>
-        </pc:spChg>
-      </pc:sldChg>
-    </pc:docChg>
-  </pc:docChgLst>
-  <pc:docChgLst>
-    <pc:chgData name="Graf Thomas, INI-NET-VNC-HCS" userId="487bc3e3-9ce7-4cdd-b7b4-8899ea88d289" providerId="ADAL" clId="{A47D5A21-D820-4251-9DE3-0EE7A7287481}"/>
-    <pc:docChg chg="undo custSel addSld delSld modSld sldOrd">
-      <pc:chgData name="Graf Thomas, INI-NET-VNC-HCS" userId="487bc3e3-9ce7-4cdd-b7b4-8899ea88d289" providerId="ADAL" clId="{A47D5A21-D820-4251-9DE3-0EE7A7287481}" dt="2024-03-06T12:16:50.226" v="1740"/>
-      <pc:docMkLst>
-        <pc:docMk/>
-      </pc:docMkLst>
-      <pc:sldChg chg="modSp mod">
-        <pc:chgData name="Graf Thomas, INI-NET-VNC-HCS" userId="487bc3e3-9ce7-4cdd-b7b4-8899ea88d289" providerId="ADAL" clId="{A47D5A21-D820-4251-9DE3-0EE7A7287481}" dt="2024-03-06T07:56:24.608" v="45" actId="20577"/>
-        <pc:sldMkLst>
-          <pc:docMk/>
-          <pc:sldMk cId="3578665336" sldId="1041"/>
-        </pc:sldMkLst>
-        <pc:spChg chg="mod">
-          <ac:chgData name="Graf Thomas, INI-NET-VNC-HCS" userId="487bc3e3-9ce7-4cdd-b7b4-8899ea88d289" providerId="ADAL" clId="{A47D5A21-D820-4251-9DE3-0EE7A7287481}" dt="2024-03-06T07:56:24.608" v="45" actId="20577"/>
-          <ac:spMkLst>
-            <pc:docMk/>
-            <pc:sldMk cId="3578665336" sldId="1041"/>
-            <ac:spMk id="5" creationId="{C26208B2-0D10-4C23-B2DE-372A62E98644}"/>
-          </ac:spMkLst>
-        </pc:spChg>
-        <pc:spChg chg="mod">
-          <ac:chgData name="Graf Thomas, INI-NET-VNC-HCS" userId="487bc3e3-9ce7-4cdd-b7b4-8899ea88d289" providerId="ADAL" clId="{A47D5A21-D820-4251-9DE3-0EE7A7287481}" dt="2024-03-06T07:55:18.982" v="10" actId="20577"/>
-          <ac:spMkLst>
-            <pc:docMk/>
-            <pc:sldMk cId="3578665336" sldId="1041"/>
-            <ac:spMk id="6" creationId="{6CAA0765-1318-4A03-8F91-D3ECC43D8FA7}"/>
-          </ac:spMkLst>
-        </pc:spChg>
-      </pc:sldChg>
-      <pc:sldChg chg="modSp mod ord">
-        <pc:chgData name="Graf Thomas, INI-NET-VNC-HCS" userId="487bc3e3-9ce7-4cdd-b7b4-8899ea88d289" providerId="ADAL" clId="{A47D5A21-D820-4251-9DE3-0EE7A7287481}" dt="2024-03-06T08:42:50.020" v="1458"/>
-        <pc:sldMkLst>
-          <pc:docMk/>
-          <pc:sldMk cId="2578889968" sldId="26415"/>
-        </pc:sldMkLst>
-        <pc:spChg chg="mod">
-          <ac:chgData name="Graf Thomas, INI-NET-VNC-HCS" userId="487bc3e3-9ce7-4cdd-b7b4-8899ea88d289" providerId="ADAL" clId="{A47D5A21-D820-4251-9DE3-0EE7A7287481}" dt="2024-03-06T07:58:02.982" v="47" actId="20577"/>
-          <ac:spMkLst>
-            <pc:docMk/>
-            <pc:sldMk cId="2578889968" sldId="26415"/>
-            <ac:spMk id="7" creationId="{BF6DCC5D-2508-4A9B-B734-C8C5147F93FB}"/>
-          </ac:spMkLst>
-        </pc:spChg>
-      </pc:sldChg>
-      <pc:sldChg chg="modSp mod">
-        <pc:chgData name="Graf Thomas, INI-NET-VNC-HCS" userId="487bc3e3-9ce7-4cdd-b7b4-8899ea88d289" providerId="ADAL" clId="{A47D5A21-D820-4251-9DE3-0EE7A7287481}" dt="2024-03-06T07:59:58.859" v="49" actId="20577"/>
-        <pc:sldMkLst>
-          <pc:docMk/>
-          <pc:sldMk cId="320697580" sldId="26425"/>
-        </pc:sldMkLst>
-        <pc:spChg chg="mod">
-          <ac:chgData name="Graf Thomas, INI-NET-VNC-HCS" userId="487bc3e3-9ce7-4cdd-b7b4-8899ea88d289" providerId="ADAL" clId="{A47D5A21-D820-4251-9DE3-0EE7A7287481}" dt="2024-03-06T07:59:58.859" v="49" actId="20577"/>
-          <ac:spMkLst>
-            <pc:docMk/>
-            <pc:sldMk cId="320697580" sldId="26425"/>
-            <ac:spMk id="6" creationId="{ABB61075-2877-B162-7D8F-97EC17B8DF39}"/>
-          </ac:spMkLst>
-        </pc:spChg>
-      </pc:sldChg>
-      <pc:sldChg chg="del">
-        <pc:chgData name="Graf Thomas, INI-NET-VNC-HCS" userId="487bc3e3-9ce7-4cdd-b7b4-8899ea88d289" providerId="ADAL" clId="{A47D5A21-D820-4251-9DE3-0EE7A7287481}" dt="2024-03-06T11:45:24.047" v="1460" actId="47"/>
-        <pc:sldMkLst>
-          <pc:docMk/>
-          <pc:sldMk cId="4069880896" sldId="2145706223"/>
-        </pc:sldMkLst>
-      </pc:sldChg>
-      <pc:sldChg chg="addSp delSp modSp mod">
-        <pc:chgData name="Graf Thomas, INI-NET-VNC-HCS" userId="487bc3e3-9ce7-4cdd-b7b4-8899ea88d289" providerId="ADAL" clId="{A47D5A21-D820-4251-9DE3-0EE7A7287481}" dt="2024-03-06T12:13:48.225" v="1739" actId="1076"/>
-        <pc:sldMkLst>
-          <pc:docMk/>
-          <pc:sldMk cId="1081037514" sldId="2145706225"/>
-        </pc:sldMkLst>
-        <pc:spChg chg="add mod">
-          <ac:chgData name="Graf Thomas, INI-NET-VNC-HCS" userId="487bc3e3-9ce7-4cdd-b7b4-8899ea88d289" providerId="ADAL" clId="{A47D5A21-D820-4251-9DE3-0EE7A7287481}" dt="2024-03-06T12:13:10.597" v="1731" actId="1076"/>
-          <ac:spMkLst>
-            <pc:docMk/>
-            <pc:sldMk cId="1081037514" sldId="2145706225"/>
-            <ac:spMk id="14" creationId="{A1EA8359-DC79-8122-1266-D00A47BFEBE7}"/>
-          </ac:spMkLst>
-        </pc:spChg>
-        <pc:spChg chg="mod">
-          <ac:chgData name="Graf Thomas, INI-NET-VNC-HCS" userId="487bc3e3-9ce7-4cdd-b7b4-8899ea88d289" providerId="ADAL" clId="{A47D5A21-D820-4251-9DE3-0EE7A7287481}" dt="2024-03-06T12:07:28.243" v="1658" actId="20577"/>
-          <ac:spMkLst>
-            <pc:docMk/>
-            <pc:sldMk cId="1081037514" sldId="2145706225"/>
-            <ac:spMk id="29" creationId="{5DF5E834-66E3-AE49-4040-1D628970A3FC}"/>
-          </ac:spMkLst>
-        </pc:spChg>
-        <pc:spChg chg="mod">
-          <ac:chgData name="Graf Thomas, INI-NET-VNC-HCS" userId="487bc3e3-9ce7-4cdd-b7b4-8899ea88d289" providerId="ADAL" clId="{A47D5A21-D820-4251-9DE3-0EE7A7287481}" dt="2024-03-06T12:04:20.645" v="1575" actId="1037"/>
-          <ac:spMkLst>
-            <pc:docMk/>
-            <pc:sldMk cId="1081037514" sldId="2145706225"/>
-            <ac:spMk id="30" creationId="{BA1C20F7-8218-7EF6-0AE8-992862F0E030}"/>
-          </ac:spMkLst>
-        </pc:spChg>
-        <pc:spChg chg="mod">
-          <ac:chgData name="Graf Thomas, INI-NET-VNC-HCS" userId="487bc3e3-9ce7-4cdd-b7b4-8899ea88d289" providerId="ADAL" clId="{A47D5A21-D820-4251-9DE3-0EE7A7287481}" dt="2024-03-06T12:13:30.735" v="1732" actId="21"/>
-          <ac:spMkLst>
-            <pc:docMk/>
-            <pc:sldMk cId="1081037514" sldId="2145706225"/>
-            <ac:spMk id="39" creationId="{E2C5DAC4-E571-363C-E57D-8F3EA7B6E611}"/>
-          </ac:spMkLst>
-        </pc:spChg>
-        <pc:spChg chg="mod">
-          <ac:chgData name="Graf Thomas, INI-NET-VNC-HCS" userId="487bc3e3-9ce7-4cdd-b7b4-8899ea88d289" providerId="ADAL" clId="{A47D5A21-D820-4251-9DE3-0EE7A7287481}" dt="2024-03-06T12:12:32.871" v="1715" actId="1076"/>
-          <ac:spMkLst>
-            <pc:docMk/>
-            <pc:sldMk cId="1081037514" sldId="2145706225"/>
-            <ac:spMk id="41" creationId="{1686B893-78A4-3D56-EECA-A2AEF814D57E}"/>
-          </ac:spMkLst>
-        </pc:spChg>
-        <pc:spChg chg="del">
-          <ac:chgData name="Graf Thomas, INI-NET-VNC-HCS" userId="487bc3e3-9ce7-4cdd-b7b4-8899ea88d289" providerId="ADAL" clId="{A47D5A21-D820-4251-9DE3-0EE7A7287481}" dt="2024-03-06T12:04:05.930" v="1531" actId="478"/>
-          <ac:spMkLst>
-            <pc:docMk/>
-            <pc:sldMk cId="1081037514" sldId="2145706225"/>
-            <ac:spMk id="44" creationId="{0633B95D-D798-3465-C482-2E6F7E2DFE46}"/>
-          </ac:spMkLst>
-        </pc:spChg>
-        <pc:spChg chg="del">
-          <ac:chgData name="Graf Thomas, INI-NET-VNC-HCS" userId="487bc3e3-9ce7-4cdd-b7b4-8899ea88d289" providerId="ADAL" clId="{A47D5A21-D820-4251-9DE3-0EE7A7287481}" dt="2024-03-06T12:04:05.930" v="1531" actId="478"/>
-          <ac:spMkLst>
-            <pc:docMk/>
-            <pc:sldMk cId="1081037514" sldId="2145706225"/>
-            <ac:spMk id="46" creationId="{910C6A2B-4068-DF2D-9256-79E34275A27E}"/>
-          </ac:spMkLst>
-        </pc:spChg>
-        <pc:spChg chg="mod">
-          <ac:chgData name="Graf Thomas, INI-NET-VNC-HCS" userId="487bc3e3-9ce7-4cdd-b7b4-8899ea88d289" providerId="ADAL" clId="{A47D5A21-D820-4251-9DE3-0EE7A7287481}" dt="2024-03-06T12:04:09.459" v="1533" actId="1076"/>
-          <ac:spMkLst>
-            <pc:docMk/>
-            <pc:sldMk cId="1081037514" sldId="2145706225"/>
-            <ac:spMk id="48" creationId="{A48B1DB7-BCDC-5D18-F56D-8A1447F1B8BA}"/>
-          </ac:spMkLst>
-        </pc:spChg>
-        <pc:spChg chg="add mod">
-          <ac:chgData name="Graf Thomas, INI-NET-VNC-HCS" userId="487bc3e3-9ce7-4cdd-b7b4-8899ea88d289" providerId="ADAL" clId="{A47D5A21-D820-4251-9DE3-0EE7A7287481}" dt="2024-03-06T12:13:00.466" v="1730" actId="20577"/>
-          <ac:spMkLst>
-            <pc:docMk/>
-            <pc:sldMk cId="1081037514" sldId="2145706225"/>
-            <ac:spMk id="49" creationId="{9DA38AA2-A8F2-8D1B-FF42-9920ACF088FF}"/>
-          </ac:spMkLst>
-        </pc:spChg>
-        <pc:spChg chg="add mod">
-          <ac:chgData name="Graf Thomas, INI-NET-VNC-HCS" userId="487bc3e3-9ce7-4cdd-b7b4-8899ea88d289" providerId="ADAL" clId="{A47D5A21-D820-4251-9DE3-0EE7A7287481}" dt="2024-03-06T12:13:48.225" v="1739" actId="1076"/>
-          <ac:spMkLst>
-            <pc:docMk/>
-            <pc:sldMk cId="1081037514" sldId="2145706225"/>
-            <ac:spMk id="50" creationId="{E6F4D9EF-7813-54D5-B0A7-BB6DFF65B9B1}"/>
-          </ac:spMkLst>
-        </pc:spChg>
-        <pc:grpChg chg="mod">
-          <ac:chgData name="Graf Thomas, INI-NET-VNC-HCS" userId="487bc3e3-9ce7-4cdd-b7b4-8899ea88d289" providerId="ADAL" clId="{A47D5A21-D820-4251-9DE3-0EE7A7287481}" dt="2024-03-06T12:06:24.309" v="1640" actId="1038"/>
-          <ac:grpSpMkLst>
-            <pc:docMk/>
-            <pc:sldMk cId="1081037514" sldId="2145706225"/>
-            <ac:grpSpMk id="2" creationId="{593A3D2C-AF3C-4647-1B02-6C5086C62287}"/>
-          </ac:grpSpMkLst>
-        </pc:grpChg>
-        <pc:grpChg chg="mod">
-          <ac:chgData name="Graf Thomas, INI-NET-VNC-HCS" userId="487bc3e3-9ce7-4cdd-b7b4-8899ea88d289" providerId="ADAL" clId="{A47D5A21-D820-4251-9DE3-0EE7A7287481}" dt="2024-03-06T12:04:20.645" v="1575" actId="1037"/>
-          <ac:grpSpMkLst>
-            <pc:docMk/>
-            <pc:sldMk cId="1081037514" sldId="2145706225"/>
-            <ac:grpSpMk id="7" creationId="{746914D8-DC97-6FCE-CCEC-831AF8343A92}"/>
-          </ac:grpSpMkLst>
-        </pc:grpChg>
-        <pc:grpChg chg="mod">
-          <ac:chgData name="Graf Thomas, INI-NET-VNC-HCS" userId="487bc3e3-9ce7-4cdd-b7b4-8899ea88d289" providerId="ADAL" clId="{A47D5A21-D820-4251-9DE3-0EE7A7287481}" dt="2024-03-06T12:04:20.645" v="1575" actId="1037"/>
-          <ac:grpSpMkLst>
-            <pc:docMk/>
-            <pc:sldMk cId="1081037514" sldId="2145706225"/>
-            <ac:grpSpMk id="10" creationId="{2A39462A-F04D-B596-7A41-2767D485510C}"/>
-          </ac:grpSpMkLst>
-        </pc:grpChg>
-        <pc:grpChg chg="mod">
-          <ac:chgData name="Graf Thomas, INI-NET-VNC-HCS" userId="487bc3e3-9ce7-4cdd-b7b4-8899ea88d289" providerId="ADAL" clId="{A47D5A21-D820-4251-9DE3-0EE7A7287481}" dt="2024-03-06T12:04:20.645" v="1575" actId="1037"/>
-          <ac:grpSpMkLst>
-            <pc:docMk/>
-            <pc:sldMk cId="1081037514" sldId="2145706225"/>
-            <ac:grpSpMk id="13" creationId="{C27136FF-F3FA-F76D-A713-2F31CB874934}"/>
-          </ac:grpSpMkLst>
-        </pc:grpChg>
-        <pc:grpChg chg="mod">
-          <ac:chgData name="Graf Thomas, INI-NET-VNC-HCS" userId="487bc3e3-9ce7-4cdd-b7b4-8899ea88d289" providerId="ADAL" clId="{A47D5A21-D820-4251-9DE3-0EE7A7287481}" dt="2024-03-06T12:04:20.645" v="1575" actId="1037"/>
-          <ac:grpSpMkLst>
-            <pc:docMk/>
-            <pc:sldMk cId="1081037514" sldId="2145706225"/>
-            <ac:grpSpMk id="17" creationId="{CEB0384D-AE7F-401C-F7FF-BDAEA866A31A}"/>
-          </ac:grpSpMkLst>
-        </pc:grpChg>
-        <pc:grpChg chg="mod">
-          <ac:chgData name="Graf Thomas, INI-NET-VNC-HCS" userId="487bc3e3-9ce7-4cdd-b7b4-8899ea88d289" providerId="ADAL" clId="{A47D5A21-D820-4251-9DE3-0EE7A7287481}" dt="2024-03-06T12:04:20.645" v="1575" actId="1037"/>
-          <ac:grpSpMkLst>
-            <pc:docMk/>
-            <pc:sldMk cId="1081037514" sldId="2145706225"/>
-            <ac:grpSpMk id="20" creationId="{1B5435B3-AE86-5E3B-7DD7-612D9AD30695}"/>
-          </ac:grpSpMkLst>
-        </pc:grpChg>
-        <pc:grpChg chg="mod">
-          <ac:chgData name="Graf Thomas, INI-NET-VNC-HCS" userId="487bc3e3-9ce7-4cdd-b7b4-8899ea88d289" providerId="ADAL" clId="{A47D5A21-D820-4251-9DE3-0EE7A7287481}" dt="2024-03-06T12:04:20.645" v="1575" actId="1037"/>
-          <ac:grpSpMkLst>
-            <pc:docMk/>
-            <pc:sldMk cId="1081037514" sldId="2145706225"/>
-            <ac:grpSpMk id="23" creationId="{43DA79DF-E42D-79DA-2E63-37571E43F0EB}"/>
-          </ac:grpSpMkLst>
-        </pc:grpChg>
-        <pc:picChg chg="mod">
-          <ac:chgData name="Graf Thomas, INI-NET-VNC-HCS" userId="487bc3e3-9ce7-4cdd-b7b4-8899ea88d289" providerId="ADAL" clId="{A47D5A21-D820-4251-9DE3-0EE7A7287481}" dt="2024-03-06T12:04:20.645" v="1575" actId="1037"/>
-          <ac:picMkLst>
-            <pc:docMk/>
-            <pc:sldMk cId="1081037514" sldId="2145706225"/>
-            <ac:picMk id="27" creationId="{2C9830F3-CBF4-D372-DBC5-8AB3BCB5DD2A}"/>
-          </ac:picMkLst>
-        </pc:picChg>
-        <pc:picChg chg="mod">
-          <ac:chgData name="Graf Thomas, INI-NET-VNC-HCS" userId="487bc3e3-9ce7-4cdd-b7b4-8899ea88d289" providerId="ADAL" clId="{A47D5A21-D820-4251-9DE3-0EE7A7287481}" dt="2024-03-06T12:04:20.645" v="1575" actId="1037"/>
-          <ac:picMkLst>
-            <pc:docMk/>
-            <pc:sldMk cId="1081037514" sldId="2145706225"/>
-            <ac:picMk id="28" creationId="{17EB060B-2351-6AC0-7856-F33CB052400F}"/>
-          </ac:picMkLst>
-        </pc:picChg>
-        <pc:picChg chg="mod">
-          <ac:chgData name="Graf Thomas, INI-NET-VNC-HCS" userId="487bc3e3-9ce7-4cdd-b7b4-8899ea88d289" providerId="ADAL" clId="{A47D5A21-D820-4251-9DE3-0EE7A7287481}" dt="2024-03-06T12:04:20.645" v="1575" actId="1037"/>
-          <ac:picMkLst>
-            <pc:docMk/>
-            <pc:sldMk cId="1081037514" sldId="2145706225"/>
-            <ac:picMk id="31" creationId="{17DF8467-9125-3982-1295-79F29C9B0DC8}"/>
-          </ac:picMkLst>
-        </pc:picChg>
-        <pc:picChg chg="mod">
-          <ac:chgData name="Graf Thomas, INI-NET-VNC-HCS" userId="487bc3e3-9ce7-4cdd-b7b4-8899ea88d289" providerId="ADAL" clId="{A47D5A21-D820-4251-9DE3-0EE7A7287481}" dt="2024-03-06T12:06:24.309" v="1640" actId="1038"/>
-          <ac:picMkLst>
-            <pc:docMk/>
-            <pc:sldMk cId="1081037514" sldId="2145706225"/>
-            <ac:picMk id="32" creationId="{C770A491-1DB5-77FC-712B-35F7A47E2F99}"/>
-          </ac:picMkLst>
-        </pc:picChg>
-        <pc:picChg chg="mod">
-          <ac:chgData name="Graf Thomas, INI-NET-VNC-HCS" userId="487bc3e3-9ce7-4cdd-b7b4-8899ea88d289" providerId="ADAL" clId="{A47D5A21-D820-4251-9DE3-0EE7A7287481}" dt="2024-03-06T12:04:20.645" v="1575" actId="1037"/>
-          <ac:picMkLst>
-            <pc:docMk/>
-            <pc:sldMk cId="1081037514" sldId="2145706225"/>
-            <ac:picMk id="33" creationId="{17CD1AF5-AD78-AA80-9E26-C4515CC45BFA}"/>
-          </ac:picMkLst>
-        </pc:picChg>
-        <pc:picChg chg="mod">
-          <ac:chgData name="Graf Thomas, INI-NET-VNC-HCS" userId="487bc3e3-9ce7-4cdd-b7b4-8899ea88d289" providerId="ADAL" clId="{A47D5A21-D820-4251-9DE3-0EE7A7287481}" dt="2024-03-06T12:04:20.645" v="1575" actId="1037"/>
-          <ac:picMkLst>
-            <pc:docMk/>
-            <pc:sldMk cId="1081037514" sldId="2145706225"/>
-            <ac:picMk id="34" creationId="{0DF49D5E-4B86-6869-98D7-DE092FC30B18}"/>
-          </ac:picMkLst>
-        </pc:picChg>
-        <pc:picChg chg="mod">
-          <ac:chgData name="Graf Thomas, INI-NET-VNC-HCS" userId="487bc3e3-9ce7-4cdd-b7b4-8899ea88d289" providerId="ADAL" clId="{A47D5A21-D820-4251-9DE3-0EE7A7287481}" dt="2024-03-06T12:04:20.645" v="1575" actId="1037"/>
-          <ac:picMkLst>
-            <pc:docMk/>
-            <pc:sldMk cId="1081037514" sldId="2145706225"/>
-            <ac:picMk id="35" creationId="{76768564-2BA7-E325-FE43-6D4CE762CDAA}"/>
-          </ac:picMkLst>
-        </pc:picChg>
-        <pc:picChg chg="mod">
-          <ac:chgData name="Graf Thomas, INI-NET-VNC-HCS" userId="487bc3e3-9ce7-4cdd-b7b4-8899ea88d289" providerId="ADAL" clId="{A47D5A21-D820-4251-9DE3-0EE7A7287481}" dt="2024-03-06T12:04:20.645" v="1575" actId="1037"/>
-          <ac:picMkLst>
-            <pc:docMk/>
-            <pc:sldMk cId="1081037514" sldId="2145706225"/>
-            <ac:picMk id="36" creationId="{BA0A7074-FC27-6B8B-F899-8DDE2533BB10}"/>
-          </ac:picMkLst>
-        </pc:picChg>
-        <pc:picChg chg="mod">
-          <ac:chgData name="Graf Thomas, INI-NET-VNC-HCS" userId="487bc3e3-9ce7-4cdd-b7b4-8899ea88d289" providerId="ADAL" clId="{A47D5A21-D820-4251-9DE3-0EE7A7287481}" dt="2024-03-06T12:04:20.645" v="1575" actId="1037"/>
-          <ac:picMkLst>
-            <pc:docMk/>
-            <pc:sldMk cId="1081037514" sldId="2145706225"/>
-            <ac:picMk id="37" creationId="{D966A7CE-25D4-DED2-6D45-788D6CB73BA2}"/>
-          </ac:picMkLst>
-        </pc:picChg>
-        <pc:picChg chg="del">
-          <ac:chgData name="Graf Thomas, INI-NET-VNC-HCS" userId="487bc3e3-9ce7-4cdd-b7b4-8899ea88d289" providerId="ADAL" clId="{A47D5A21-D820-4251-9DE3-0EE7A7287481}" dt="2024-03-06T12:04:05.930" v="1531" actId="478"/>
-          <ac:picMkLst>
-            <pc:docMk/>
-            <pc:sldMk cId="1081037514" sldId="2145706225"/>
-            <ac:picMk id="43" creationId="{D8C02CC5-A9C9-F866-A5DB-BA4EC3307654}"/>
-          </ac:picMkLst>
-        </pc:picChg>
-        <pc:picChg chg="del">
-          <ac:chgData name="Graf Thomas, INI-NET-VNC-HCS" userId="487bc3e3-9ce7-4cdd-b7b4-8899ea88d289" providerId="ADAL" clId="{A47D5A21-D820-4251-9DE3-0EE7A7287481}" dt="2024-03-06T12:04:05.930" v="1531" actId="478"/>
-          <ac:picMkLst>
-            <pc:docMk/>
-            <pc:sldMk cId="1081037514" sldId="2145706225"/>
-            <ac:picMk id="45" creationId="{EFDD0C3B-512D-293E-E727-46B89BD86D4B}"/>
-          </ac:picMkLst>
-        </pc:picChg>
-        <pc:cxnChg chg="mod">
-          <ac:chgData name="Graf Thomas, INI-NET-VNC-HCS" userId="487bc3e3-9ce7-4cdd-b7b4-8899ea88d289" providerId="ADAL" clId="{A47D5A21-D820-4251-9DE3-0EE7A7287481}" dt="2024-03-06T12:04:20.645" v="1575" actId="1037"/>
-          <ac:cxnSpMkLst>
-            <pc:docMk/>
-            <pc:sldMk cId="1081037514" sldId="2145706225"/>
-            <ac:cxnSpMk id="26" creationId="{E14B17EC-9407-E3A2-1F7C-D47095BE2DDB}"/>
-          </ac:cxnSpMkLst>
-        </pc:cxnChg>
-        <pc:cxnChg chg="mod">
-          <ac:chgData name="Graf Thomas, INI-NET-VNC-HCS" userId="487bc3e3-9ce7-4cdd-b7b4-8899ea88d289" providerId="ADAL" clId="{A47D5A21-D820-4251-9DE3-0EE7A7287481}" dt="2024-03-06T12:04:20.645" v="1575" actId="1037"/>
-          <ac:cxnSpMkLst>
-            <pc:docMk/>
-            <pc:sldMk cId="1081037514" sldId="2145706225"/>
-            <ac:cxnSpMk id="38" creationId="{10DC3853-02C8-D495-EDB1-B0129F6F9E30}"/>
-          </ac:cxnSpMkLst>
-        </pc:cxnChg>
-        <pc:cxnChg chg="mod">
-          <ac:chgData name="Graf Thomas, INI-NET-VNC-HCS" userId="487bc3e3-9ce7-4cdd-b7b4-8899ea88d289" providerId="ADAL" clId="{A47D5A21-D820-4251-9DE3-0EE7A7287481}" dt="2024-03-06T12:04:20.645" v="1575" actId="1037"/>
-          <ac:cxnSpMkLst>
-            <pc:docMk/>
-            <pc:sldMk cId="1081037514" sldId="2145706225"/>
-            <ac:cxnSpMk id="40" creationId="{9BC6E6D7-2688-CCDB-6A6C-7880291A8339}"/>
-          </ac:cxnSpMkLst>
-        </pc:cxnChg>
-        <pc:cxnChg chg="mod">
-          <ac:chgData name="Graf Thomas, INI-NET-VNC-HCS" userId="487bc3e3-9ce7-4cdd-b7b4-8899ea88d289" providerId="ADAL" clId="{A47D5A21-D820-4251-9DE3-0EE7A7287481}" dt="2024-03-06T12:04:20.645" v="1575" actId="1037"/>
-          <ac:cxnSpMkLst>
-            <pc:docMk/>
-            <pc:sldMk cId="1081037514" sldId="2145706225"/>
-            <ac:cxnSpMk id="42" creationId="{3CD8EA4A-314A-BB28-E712-414D5F01E35F}"/>
-          </ac:cxnSpMkLst>
-        </pc:cxnChg>
-        <pc:cxnChg chg="mod">
-          <ac:chgData name="Graf Thomas, INI-NET-VNC-HCS" userId="487bc3e3-9ce7-4cdd-b7b4-8899ea88d289" providerId="ADAL" clId="{A47D5A21-D820-4251-9DE3-0EE7A7287481}" dt="2024-03-06T12:06:24.309" v="1640" actId="1038"/>
-          <ac:cxnSpMkLst>
-            <pc:docMk/>
-            <pc:sldMk cId="1081037514" sldId="2145706225"/>
-            <ac:cxnSpMk id="47" creationId="{1E3CC50D-6BF1-E751-D746-D130EE998D4B}"/>
-          </ac:cxnSpMkLst>
-        </pc:cxnChg>
-      </pc:sldChg>
-      <pc:sldChg chg="del">
-        <pc:chgData name="Graf Thomas, INI-NET-VNC-HCS" userId="487bc3e3-9ce7-4cdd-b7b4-8899ea88d289" providerId="ADAL" clId="{A47D5A21-D820-4251-9DE3-0EE7A7287481}" dt="2024-03-06T11:45:20.570" v="1459" actId="47"/>
-        <pc:sldMkLst>
-          <pc:docMk/>
-          <pc:sldMk cId="3384652948" sldId="2145706226"/>
-        </pc:sldMkLst>
-      </pc:sldChg>
-      <pc:sldChg chg="del">
-        <pc:chgData name="Graf Thomas, INI-NET-VNC-HCS" userId="487bc3e3-9ce7-4cdd-b7b4-8899ea88d289" providerId="ADAL" clId="{A47D5A21-D820-4251-9DE3-0EE7A7287481}" dt="2024-03-06T11:45:20.570" v="1459" actId="47"/>
-        <pc:sldMkLst>
-          <pc:docMk/>
-          <pc:sldMk cId="663711217" sldId="2145706234"/>
-        </pc:sldMkLst>
-      </pc:sldChg>
-      <pc:sldChg chg="addSp delSp modSp mod">
-        <pc:chgData name="Graf Thomas, INI-NET-VNC-HCS" userId="487bc3e3-9ce7-4cdd-b7b4-8899ea88d289" providerId="ADAL" clId="{A47D5A21-D820-4251-9DE3-0EE7A7287481}" dt="2024-03-06T08:42:06.947" v="1454" actId="1037"/>
-        <pc:sldMkLst>
-          <pc:docMk/>
-          <pc:sldMk cId="2249733078" sldId="2145706239"/>
-        </pc:sldMkLst>
-        <pc:spChg chg="add mod">
-          <ac:chgData name="Graf Thomas, INI-NET-VNC-HCS" userId="487bc3e3-9ce7-4cdd-b7b4-8899ea88d289" providerId="ADAL" clId="{A47D5A21-D820-4251-9DE3-0EE7A7287481}" dt="2024-03-06T08:19:30.339" v="604" actId="14100"/>
-          <ac:spMkLst>
-            <pc:docMk/>
-            <pc:sldMk cId="2249733078" sldId="2145706239"/>
-            <ac:spMk id="2" creationId="{EBBAF0DF-61DF-B89D-2978-12F7F1BE7C53}"/>
-          </ac:spMkLst>
-        </pc:spChg>
-        <pc:spChg chg="del mod">
-          <ac:chgData name="Graf Thomas, INI-NET-VNC-HCS" userId="487bc3e3-9ce7-4cdd-b7b4-8899ea88d289" providerId="ADAL" clId="{A47D5A21-D820-4251-9DE3-0EE7A7287481}" dt="2024-03-06T08:20:04.337" v="605" actId="478"/>
-          <ac:spMkLst>
-            <pc:docMk/>
-            <pc:sldMk cId="2249733078" sldId="2145706239"/>
-            <ac:spMk id="5" creationId="{0194B37B-813A-99FE-7B78-4D87D8C30D44}"/>
-          </ac:spMkLst>
-        </pc:spChg>
-        <pc:spChg chg="mod">
-          <ac:chgData name="Graf Thomas, INI-NET-VNC-HCS" userId="487bc3e3-9ce7-4cdd-b7b4-8899ea88d289" providerId="ADAL" clId="{A47D5A21-D820-4251-9DE3-0EE7A7287481}" dt="2024-03-06T08:42:06.947" v="1454" actId="1037"/>
-          <ac:spMkLst>
-            <pc:docMk/>
-            <pc:sldMk cId="2249733078" sldId="2145706239"/>
-            <ac:spMk id="7" creationId="{33891599-1C33-654D-733C-99580AE756F1}"/>
-          </ac:spMkLst>
-        </pc:spChg>
-        <pc:spChg chg="del">
-          <ac:chgData name="Graf Thomas, INI-NET-VNC-HCS" userId="487bc3e3-9ce7-4cdd-b7b4-8899ea88d289" providerId="ADAL" clId="{A47D5A21-D820-4251-9DE3-0EE7A7287481}" dt="2024-03-06T08:13:19.192" v="556" actId="478"/>
-          <ac:spMkLst>
-            <pc:docMk/>
-            <pc:sldMk cId="2249733078" sldId="2145706239"/>
-            <ac:spMk id="18" creationId="{B283EDB4-CFDF-D6B9-8AF9-9CFA563360E3}"/>
-          </ac:spMkLst>
-        </pc:spChg>
-        <pc:spChg chg="mod">
-          <ac:chgData name="Graf Thomas, INI-NET-VNC-HCS" userId="487bc3e3-9ce7-4cdd-b7b4-8899ea88d289" providerId="ADAL" clId="{A47D5A21-D820-4251-9DE3-0EE7A7287481}" dt="2024-03-06T08:12:18.980" v="540" actId="20577"/>
-          <ac:spMkLst>
-            <pc:docMk/>
-            <pc:sldMk cId="2249733078" sldId="2145706239"/>
-            <ac:spMk id="19" creationId="{56D79134-17A9-8BC8-B7D0-97BCFFB9A6B2}"/>
-          </ac:spMkLst>
-        </pc:spChg>
-        <pc:picChg chg="mod">
-          <ac:chgData name="Graf Thomas, INI-NET-VNC-HCS" userId="487bc3e3-9ce7-4cdd-b7b4-8899ea88d289" providerId="ADAL" clId="{A47D5A21-D820-4251-9DE3-0EE7A7287481}" dt="2024-03-06T08:20:12.631" v="608" actId="1076"/>
-          <ac:picMkLst>
-            <pc:docMk/>
-            <pc:sldMk cId="2249733078" sldId="2145706239"/>
-            <ac:picMk id="3" creationId="{80EF3365-92B8-4BFF-5B4A-D90DDCF803B4}"/>
-          </ac:picMkLst>
-        </pc:picChg>
-      </pc:sldChg>
-      <pc:sldChg chg="addSp delSp modSp add mod ord">
-        <pc:chgData name="Graf Thomas, INI-NET-VNC-HCS" userId="487bc3e3-9ce7-4cdd-b7b4-8899ea88d289" providerId="ADAL" clId="{A47D5A21-D820-4251-9DE3-0EE7A7287481}" dt="2024-03-06T12:16:50.226" v="1740"/>
-        <pc:sldMkLst>
-          <pc:docMk/>
-          <pc:sldMk cId="540899312" sldId="2145706240"/>
-        </pc:sldMkLst>
-        <pc:spChg chg="mod">
-          <ac:chgData name="Graf Thomas, INI-NET-VNC-HCS" userId="487bc3e3-9ce7-4cdd-b7b4-8899ea88d289" providerId="ADAL" clId="{A47D5A21-D820-4251-9DE3-0EE7A7287481}" dt="2024-03-06T08:07:56.785" v="481" actId="20577"/>
-          <ac:spMkLst>
-            <pc:docMk/>
-            <pc:sldMk cId="540899312" sldId="2145706240"/>
-            <ac:spMk id="3" creationId="{29C0DFD4-432D-4B0C-93DF-790441DCF5B9}"/>
-          </ac:spMkLst>
-        </pc:spChg>
-        <pc:spChg chg="mod">
-          <ac:chgData name="Graf Thomas, INI-NET-VNC-HCS" userId="487bc3e3-9ce7-4cdd-b7b4-8899ea88d289" providerId="ADAL" clId="{A47D5A21-D820-4251-9DE3-0EE7A7287481}" dt="2024-03-06T08:03:02.504" v="91" actId="20577"/>
-          <ac:spMkLst>
-            <pc:docMk/>
-            <pc:sldMk cId="540899312" sldId="2145706240"/>
-            <ac:spMk id="6" creationId="{ABB61075-2877-B162-7D8F-97EC17B8DF39}"/>
-          </ac:spMkLst>
-        </pc:spChg>
-        <pc:spChg chg="mod">
-          <ac:chgData name="Graf Thomas, INI-NET-VNC-HCS" userId="487bc3e3-9ce7-4cdd-b7b4-8899ea88d289" providerId="ADAL" clId="{A47D5A21-D820-4251-9DE3-0EE7A7287481}" dt="2024-03-06T08:09:51.948" v="509" actId="14100"/>
-          <ac:spMkLst>
-            <pc:docMk/>
-            <pc:sldMk cId="540899312" sldId="2145706240"/>
-            <ac:spMk id="7" creationId="{E751AA3A-A181-4E76-CC75-041686EB2C20}"/>
-          </ac:spMkLst>
-        </pc:spChg>
-        <pc:spChg chg="del">
-          <ac:chgData name="Graf Thomas, INI-NET-VNC-HCS" userId="487bc3e3-9ce7-4cdd-b7b4-8899ea88d289" providerId="ADAL" clId="{A47D5A21-D820-4251-9DE3-0EE7A7287481}" dt="2024-03-06T08:02:42.666" v="67" actId="478"/>
-          <ac:spMkLst>
-            <pc:docMk/>
-            <pc:sldMk cId="540899312" sldId="2145706240"/>
-            <ac:spMk id="8" creationId="{8F5B7433-6C2C-9F79-E743-B4F7F3199C49}"/>
-          </ac:spMkLst>
-        </pc:spChg>
-        <pc:spChg chg="del mod">
-          <ac:chgData name="Graf Thomas, INI-NET-VNC-HCS" userId="487bc3e3-9ce7-4cdd-b7b4-8899ea88d289" providerId="ADAL" clId="{A47D5A21-D820-4251-9DE3-0EE7A7287481}" dt="2024-03-06T08:02:40.931" v="65" actId="478"/>
-          <ac:spMkLst>
-            <pc:docMk/>
-            <pc:sldMk cId="540899312" sldId="2145706240"/>
-            <ac:spMk id="9" creationId="{94BED9E1-5205-DBA5-3A77-348AA6C3053F}"/>
-          </ac:spMkLst>
-        </pc:spChg>
-        <pc:spChg chg="mod ord">
-          <ac:chgData name="Graf Thomas, INI-NET-VNC-HCS" userId="487bc3e3-9ce7-4cdd-b7b4-8899ea88d289" providerId="ADAL" clId="{A47D5A21-D820-4251-9DE3-0EE7A7287481}" dt="2024-03-06T12:16:50.226" v="1740"/>
-          <ac:spMkLst>
-            <pc:docMk/>
-            <pc:sldMk cId="540899312" sldId="2145706240"/>
-            <ac:spMk id="17" creationId="{8F78EE4C-6EFD-4363-A98F-3E5608669DF5}"/>
-          </ac:spMkLst>
-        </pc:spChg>
-        <pc:spChg chg="mod">
-          <ac:chgData name="Graf Thomas, INI-NET-VNC-HCS" userId="487bc3e3-9ce7-4cdd-b7b4-8899ea88d289" providerId="ADAL" clId="{A47D5A21-D820-4251-9DE3-0EE7A7287481}" dt="2024-03-06T08:08:52.629" v="495" actId="14100"/>
-          <ac:spMkLst>
-            <pc:docMk/>
-            <pc:sldMk cId="540899312" sldId="2145706240"/>
-            <ac:spMk id="19" creationId="{B0AC9776-B227-44FD-A2AC-1FDE0B6F1445}"/>
-          </ac:spMkLst>
-        </pc:spChg>
-        <pc:spChg chg="add del mod">
-          <ac:chgData name="Graf Thomas, INI-NET-VNC-HCS" userId="487bc3e3-9ce7-4cdd-b7b4-8899ea88d289" providerId="ADAL" clId="{A47D5A21-D820-4251-9DE3-0EE7A7287481}" dt="2024-03-06T08:09:15.077" v="502" actId="478"/>
-          <ac:spMkLst>
-            <pc:docMk/>
-            <pc:sldMk cId="540899312" sldId="2145706240"/>
-            <ac:spMk id="21" creationId="{9106F30F-B7CF-5436-5E34-E5CFC4951F22}"/>
-          </ac:spMkLst>
-        </pc:spChg>
-        <pc:spChg chg="add mod">
-          <ac:chgData name="Graf Thomas, INI-NET-VNC-HCS" userId="487bc3e3-9ce7-4cdd-b7b4-8899ea88d289" providerId="ADAL" clId="{A47D5A21-D820-4251-9DE3-0EE7A7287481}" dt="2024-03-06T08:11:28.703" v="537" actId="1035"/>
-          <ac:spMkLst>
-            <pc:docMk/>
-            <pc:sldMk cId="540899312" sldId="2145706240"/>
-            <ac:spMk id="24" creationId="{1F53FB5C-08C3-503A-DD3F-DC336AED5134}"/>
-          </ac:spMkLst>
-        </pc:spChg>
-        <pc:spChg chg="add mod">
-          <ac:chgData name="Graf Thomas, INI-NET-VNC-HCS" userId="487bc3e3-9ce7-4cdd-b7b4-8899ea88d289" providerId="ADAL" clId="{A47D5A21-D820-4251-9DE3-0EE7A7287481}" dt="2024-03-06T08:11:31.543" v="539" actId="1035"/>
-          <ac:spMkLst>
-            <pc:docMk/>
-            <pc:sldMk cId="540899312" sldId="2145706240"/>
-            <ac:spMk id="25" creationId="{69934E68-7859-6F55-01F2-D3CD39C036AD}"/>
-          </ac:spMkLst>
-        </pc:spChg>
-        <pc:cxnChg chg="add del mod">
-          <ac:chgData name="Graf Thomas, INI-NET-VNC-HCS" userId="487bc3e3-9ce7-4cdd-b7b4-8899ea88d289" providerId="ADAL" clId="{A47D5A21-D820-4251-9DE3-0EE7A7287481}" dt="2024-03-06T08:10:30.262" v="518" actId="478"/>
-          <ac:cxnSpMkLst>
-            <pc:docMk/>
-            <pc:sldMk cId="540899312" sldId="2145706240"/>
-            <ac:cxnSpMk id="5" creationId="{B5C93F77-8663-9285-57A3-E6858FE15544}"/>
-          </ac:cxnSpMkLst>
-        </pc:cxnChg>
-        <pc:cxnChg chg="mod">
-          <ac:chgData name="Graf Thomas, INI-NET-VNC-HCS" userId="487bc3e3-9ce7-4cdd-b7b4-8899ea88d289" providerId="ADAL" clId="{A47D5A21-D820-4251-9DE3-0EE7A7287481}" dt="2024-03-06T08:10:36.823" v="521" actId="14100"/>
-          <ac:cxnSpMkLst>
-            <pc:docMk/>
-            <pc:sldMk cId="540899312" sldId="2145706240"/>
-            <ac:cxnSpMk id="13" creationId="{ABDEEB90-F9DE-4579-466A-4391823DABF7}"/>
-          </ac:cxnSpMkLst>
-        </pc:cxnChg>
-        <pc:cxnChg chg="del">
-          <ac:chgData name="Graf Thomas, INI-NET-VNC-HCS" userId="487bc3e3-9ce7-4cdd-b7b4-8899ea88d289" providerId="ADAL" clId="{A47D5A21-D820-4251-9DE3-0EE7A7287481}" dt="2024-03-06T08:02:39.878" v="64" actId="478"/>
-          <ac:cxnSpMkLst>
-            <pc:docMk/>
-            <pc:sldMk cId="540899312" sldId="2145706240"/>
-            <ac:cxnSpMk id="14" creationId="{971CE727-7DCB-9E98-7B9C-B1ACC28EC9FF}"/>
-          </ac:cxnSpMkLst>
-        </pc:cxnChg>
-        <pc:cxnChg chg="add del mod">
-          <ac:chgData name="Graf Thomas, INI-NET-VNC-HCS" userId="487bc3e3-9ce7-4cdd-b7b4-8899ea88d289" providerId="ADAL" clId="{A47D5A21-D820-4251-9DE3-0EE7A7287481}" dt="2024-03-06T08:10:30.262" v="518" actId="478"/>
-          <ac:cxnSpMkLst>
-            <pc:docMk/>
-            <pc:sldMk cId="540899312" sldId="2145706240"/>
-            <ac:cxnSpMk id="15" creationId="{DD511543-E679-D3D2-84E3-71435C52775B}"/>
-          </ac:cxnSpMkLst>
-        </pc:cxnChg>
-        <pc:cxnChg chg="mod">
-          <ac:chgData name="Graf Thomas, INI-NET-VNC-HCS" userId="487bc3e3-9ce7-4cdd-b7b4-8899ea88d289" providerId="ADAL" clId="{A47D5A21-D820-4251-9DE3-0EE7A7287481}" dt="2024-03-06T08:08:24.973" v="488" actId="14100"/>
-          <ac:cxnSpMkLst>
-            <pc:docMk/>
-            <pc:sldMk cId="540899312" sldId="2145706240"/>
-            <ac:cxnSpMk id="22" creationId="{5EE7A184-4440-4663-A713-45C43FB41FBD}"/>
-          </ac:cxnSpMkLst>
-        </pc:cxnChg>
-        <pc:cxnChg chg="del">
-          <ac:chgData name="Graf Thomas, INI-NET-VNC-HCS" userId="487bc3e3-9ce7-4cdd-b7b4-8899ea88d289" providerId="ADAL" clId="{A47D5A21-D820-4251-9DE3-0EE7A7287481}" dt="2024-03-06T08:02:41.743" v="66" actId="478"/>
-          <ac:cxnSpMkLst>
-            <pc:docMk/>
-            <pc:sldMk cId="540899312" sldId="2145706240"/>
-            <ac:cxnSpMk id="23" creationId="{D8988D8C-34C7-42B3-BD73-F0A5B399F9DF}"/>
-          </ac:cxnSpMkLst>
-        </pc:cxnChg>
-        <pc:cxnChg chg="add mod">
-          <ac:chgData name="Graf Thomas, INI-NET-VNC-HCS" userId="487bc3e3-9ce7-4cdd-b7b4-8899ea88d289" providerId="ADAL" clId="{A47D5A21-D820-4251-9DE3-0EE7A7287481}" dt="2024-03-06T08:10:56.158" v="527" actId="14100"/>
-          <ac:cxnSpMkLst>
-            <pc:docMk/>
-            <pc:sldMk cId="540899312" sldId="2145706240"/>
-            <ac:cxnSpMk id="26" creationId="{26AA4EF1-0515-5E5A-5D45-BE133079F190}"/>
-          </ac:cxnSpMkLst>
-        </pc:cxnChg>
-        <pc:cxnChg chg="add mod">
-          <ac:chgData name="Graf Thomas, INI-NET-VNC-HCS" userId="487bc3e3-9ce7-4cdd-b7b4-8899ea88d289" providerId="ADAL" clId="{A47D5A21-D820-4251-9DE3-0EE7A7287481}" dt="2024-03-06T08:10:43.570" v="523" actId="14100"/>
-          <ac:cxnSpMkLst>
-            <pc:docMk/>
-            <pc:sldMk cId="540899312" sldId="2145706240"/>
-            <ac:cxnSpMk id="27" creationId="{D1F71D91-0AD5-1DD4-6BC3-A469C348859D}"/>
-          </ac:cxnSpMkLst>
-        </pc:cxnChg>
-      </pc:sldChg>
-      <pc:sldChg chg="addSp delSp modSp add mod">
-        <pc:chgData name="Graf Thomas, INI-NET-VNC-HCS" userId="487bc3e3-9ce7-4cdd-b7b4-8899ea88d289" providerId="ADAL" clId="{A47D5A21-D820-4251-9DE3-0EE7A7287481}" dt="2024-03-06T08:34:11.165" v="1002"/>
-        <pc:sldMkLst>
-          <pc:docMk/>
-          <pc:sldMk cId="1152209015" sldId="2145706241"/>
-        </pc:sldMkLst>
-        <pc:spChg chg="del">
-          <ac:chgData name="Graf Thomas, INI-NET-VNC-HCS" userId="487bc3e3-9ce7-4cdd-b7b4-8899ea88d289" providerId="ADAL" clId="{A47D5A21-D820-4251-9DE3-0EE7A7287481}" dt="2024-03-06T08:23:08.868" v="615" actId="478"/>
-          <ac:spMkLst>
-            <pc:docMk/>
-            <pc:sldMk cId="1152209015" sldId="2145706241"/>
-            <ac:spMk id="5" creationId="{0194B37B-813A-99FE-7B78-4D87D8C30D44}"/>
-          </ac:spMkLst>
-        </pc:spChg>
-        <pc:spChg chg="del">
-          <ac:chgData name="Graf Thomas, INI-NET-VNC-HCS" userId="487bc3e3-9ce7-4cdd-b7b4-8899ea88d289" providerId="ADAL" clId="{A47D5A21-D820-4251-9DE3-0EE7A7287481}" dt="2024-03-06T08:23:49.733" v="620" actId="478"/>
-          <ac:spMkLst>
-            <pc:docMk/>
-            <pc:sldMk cId="1152209015" sldId="2145706241"/>
-            <ac:spMk id="7" creationId="{33891599-1C33-654D-733C-99580AE756F1}"/>
-          </ac:spMkLst>
-        </pc:spChg>
-        <pc:spChg chg="add del mod">
-          <ac:chgData name="Graf Thomas, INI-NET-VNC-HCS" userId="487bc3e3-9ce7-4cdd-b7b4-8899ea88d289" providerId="ADAL" clId="{A47D5A21-D820-4251-9DE3-0EE7A7287481}" dt="2024-03-06T08:28:25.770" v="662" actId="478"/>
-          <ac:spMkLst>
-            <pc:docMk/>
-            <pc:sldMk cId="1152209015" sldId="2145706241"/>
-            <ac:spMk id="12" creationId="{72E3852A-9643-A0F7-EA42-826E30A20956}"/>
-          </ac:spMkLst>
-        </pc:spChg>
-        <pc:spChg chg="add mod">
-          <ac:chgData name="Graf Thomas, INI-NET-VNC-HCS" userId="487bc3e3-9ce7-4cdd-b7b4-8899ea88d289" providerId="ADAL" clId="{A47D5A21-D820-4251-9DE3-0EE7A7287481}" dt="2024-03-06T08:33:13.434" v="1000" actId="14100"/>
-          <ac:spMkLst>
-            <pc:docMk/>
-            <pc:sldMk cId="1152209015" sldId="2145706241"/>
-            <ac:spMk id="13" creationId="{493592BC-0380-9705-ADC3-87ACEDBEFCB8}"/>
-          </ac:spMkLst>
-        </pc:spChg>
-        <pc:spChg chg="del mod">
-          <ac:chgData name="Graf Thomas, INI-NET-VNC-HCS" userId="487bc3e3-9ce7-4cdd-b7b4-8899ea88d289" providerId="ADAL" clId="{A47D5A21-D820-4251-9DE3-0EE7A7287481}" dt="2024-03-06T08:28:25.770" v="662" actId="478"/>
-          <ac:spMkLst>
-            <pc:docMk/>
-            <pc:sldMk cId="1152209015" sldId="2145706241"/>
-            <ac:spMk id="18" creationId="{B283EDB4-CFDF-D6B9-8AF9-9CFA563360E3}"/>
-          </ac:spMkLst>
-        </pc:spChg>
-        <pc:spChg chg="mod ord">
-          <ac:chgData name="Graf Thomas, INI-NET-VNC-HCS" userId="487bc3e3-9ce7-4cdd-b7b4-8899ea88d289" providerId="ADAL" clId="{A47D5A21-D820-4251-9DE3-0EE7A7287481}" dt="2024-03-06T08:34:11.165" v="1002"/>
-          <ac:spMkLst>
-            <pc:docMk/>
-            <pc:sldMk cId="1152209015" sldId="2145706241"/>
-            <ac:spMk id="19" creationId="{56D79134-17A9-8BC8-B7D0-97BCFFB9A6B2}"/>
-          </ac:spMkLst>
-        </pc:spChg>
-        <pc:picChg chg="del">
-          <ac:chgData name="Graf Thomas, INI-NET-VNC-HCS" userId="487bc3e3-9ce7-4cdd-b7b4-8899ea88d289" providerId="ADAL" clId="{A47D5A21-D820-4251-9DE3-0EE7A7287481}" dt="2024-03-06T08:23:10.579" v="616" actId="478"/>
-          <ac:picMkLst>
-            <pc:docMk/>
-            <pc:sldMk cId="1152209015" sldId="2145706241"/>
-            <ac:picMk id="3" creationId="{80EF3365-92B8-4BFF-5B4A-D90DDCF803B4}"/>
-          </ac:picMkLst>
-        </pc:picChg>
-        <pc:picChg chg="add del mod">
-          <ac:chgData name="Graf Thomas, INI-NET-VNC-HCS" userId="487bc3e3-9ce7-4cdd-b7b4-8899ea88d289" providerId="ADAL" clId="{A47D5A21-D820-4251-9DE3-0EE7A7287481}" dt="2024-03-06T08:24:19.907" v="622" actId="478"/>
-          <ac:picMkLst>
-            <pc:docMk/>
-            <pc:sldMk cId="1152209015" sldId="2145706241"/>
-            <ac:picMk id="4" creationId="{4A504816-27EF-6849-221E-44744933C16F}"/>
-          </ac:picMkLst>
-        </pc:picChg>
-        <pc:picChg chg="add mod">
-          <ac:chgData name="Graf Thomas, INI-NET-VNC-HCS" userId="487bc3e3-9ce7-4cdd-b7b4-8899ea88d289" providerId="ADAL" clId="{A47D5A21-D820-4251-9DE3-0EE7A7287481}" dt="2024-03-06T08:26:50.956" v="659" actId="1076"/>
-          <ac:picMkLst>
-            <pc:docMk/>
-            <pc:sldMk cId="1152209015" sldId="2145706241"/>
-            <ac:picMk id="9" creationId="{E42F4B34-76CD-F72D-9B81-89CB1330329D}"/>
-          </ac:picMkLst>
-        </pc:picChg>
-        <pc:picChg chg="add del">
-          <ac:chgData name="Graf Thomas, INI-NET-VNC-HCS" userId="487bc3e3-9ce7-4cdd-b7b4-8899ea88d289" providerId="ADAL" clId="{A47D5A21-D820-4251-9DE3-0EE7A7287481}" dt="2024-03-06T08:24:52.187" v="627" actId="478"/>
-          <ac:picMkLst>
-            <pc:docMk/>
-            <pc:sldMk cId="1152209015" sldId="2145706241"/>
-            <ac:picMk id="11" creationId="{CB909C06-14D6-EA59-6069-BB7A3F4E1F7F}"/>
-          </ac:picMkLst>
-        </pc:picChg>
-      </pc:sldChg>
-      <pc:sldChg chg="modSp add mod">
-        <pc:chgData name="Graf Thomas, INI-NET-VNC-HCS" userId="487bc3e3-9ce7-4cdd-b7b4-8899ea88d289" providerId="ADAL" clId="{A47D5A21-D820-4251-9DE3-0EE7A7287481}" dt="2024-03-06T08:41:03.419" v="1449"/>
-        <pc:sldMkLst>
-          <pc:docMk/>
-          <pc:sldMk cId="2617504443" sldId="2145706242"/>
-        </pc:sldMkLst>
-        <pc:spChg chg="mod">
-          <ac:chgData name="Graf Thomas, INI-NET-VNC-HCS" userId="487bc3e3-9ce7-4cdd-b7b4-8899ea88d289" providerId="ADAL" clId="{A47D5A21-D820-4251-9DE3-0EE7A7287481}" dt="2024-03-06T08:35:16.352" v="1004"/>
-          <ac:spMkLst>
-            <pc:docMk/>
-            <pc:sldMk cId="2617504443" sldId="2145706242"/>
-            <ac:spMk id="2" creationId="{FF20F271-6F0D-4AC0-BB1D-F5C338165C13}"/>
-          </ac:spMkLst>
-        </pc:spChg>
-        <pc:spChg chg="mod">
-          <ac:chgData name="Graf Thomas, INI-NET-VNC-HCS" userId="487bc3e3-9ce7-4cdd-b7b4-8899ea88d289" providerId="ADAL" clId="{A47D5A21-D820-4251-9DE3-0EE7A7287481}" dt="2024-03-06T08:41:03.419" v="1449"/>
-          <ac:spMkLst>
-            <pc:docMk/>
-            <pc:sldMk cId="2617504443" sldId="2145706242"/>
-            <ac:spMk id="3" creationId="{29C0DFD4-432D-4B0C-93DF-790441DCF5B9}"/>
           </ac:spMkLst>
         </pc:spChg>
       </pc:sldChg>
@@ -3052,7 +3097,7 @@
           <a:p>
             <a:fld id="{E5E705E9-673F-4AC4-B29E-A7B26F3B8523}" type="datetimeFigureOut">
               <a:rPr lang="de-CH" smtClean="0"/>
-              <a:t>12.03.24</a:t>
+              <a:t>15.03.2024</a:t>
             </a:fld>
             <a:endParaRPr lang="de-CH"/>
           </a:p>
@@ -3469,7 +3514,7 @@
           <a:p>
             <a:fld id="{60AE0FFF-3D64-AE4C-B21E-8164A14ED676}" type="datetime1">
               <a:rPr lang="en-US" smtClean="0"/>
-              <a:t>3/12/24</a:t>
+              <a:t>3/15/2024</a:t>
             </a:fld>
             <a:endParaRPr lang="de-CH"/>
           </a:p>
@@ -3669,7 +3714,7 @@
           <a:p>
             <a:fld id="{7646E496-7A7F-AB44-BE3A-2E5AF6A316DE}" type="datetime1">
               <a:rPr lang="en-US" smtClean="0"/>
-              <a:t>3/12/24</a:t>
+              <a:t>3/15/2024</a:t>
             </a:fld>
             <a:endParaRPr lang="de-CH"/>
           </a:p>
@@ -3879,7 +3924,7 @@
           <a:p>
             <a:fld id="{83E378CF-EEE1-8547-A8B5-123A82612740}" type="datetime1">
               <a:rPr lang="en-US" smtClean="0"/>
-              <a:t>3/12/24</a:t>
+              <a:t>3/15/2024</a:t>
             </a:fld>
             <a:endParaRPr lang="de-CH"/>
           </a:p>
@@ -4079,7 +4124,7 @@
           <a:p>
             <a:fld id="{BEDB2DFF-1DD4-0B47-83CE-B302059571AE}" type="datetime1">
               <a:rPr lang="en-US" smtClean="0"/>
-              <a:t>3/12/24</a:t>
+              <a:t>3/15/2024</a:t>
             </a:fld>
             <a:endParaRPr lang="de-CH"/>
           </a:p>
@@ -4355,7 +4400,7 @@
           <a:p>
             <a:fld id="{F4018A41-07E7-2046-8C75-182C42941864}" type="datetime1">
               <a:rPr lang="en-US" smtClean="0"/>
-              <a:t>3/12/24</a:t>
+              <a:t>3/15/2024</a:t>
             </a:fld>
             <a:endParaRPr lang="de-CH"/>
           </a:p>
@@ -4623,7 +4668,7 @@
           <a:p>
             <a:fld id="{65401093-94A1-2B42-8616-46ED1CD9B3F1}" type="datetime1">
               <a:rPr lang="en-US" smtClean="0"/>
-              <a:t>3/12/24</a:t>
+              <a:t>3/15/2024</a:t>
             </a:fld>
             <a:endParaRPr lang="de-CH"/>
           </a:p>
@@ -5038,7 +5083,7 @@
           <a:p>
             <a:fld id="{C0A8B73F-753B-2546-A37E-DCDE4E92DC19}" type="datetime1">
               <a:rPr lang="en-US" smtClean="0"/>
-              <a:t>3/12/24</a:t>
+              <a:t>3/15/2024</a:t>
             </a:fld>
             <a:endParaRPr lang="de-CH"/>
           </a:p>
@@ -5180,7 +5225,7 @@
           <a:p>
             <a:fld id="{B809C66E-AEC8-C14B-A773-D61AA392B46C}" type="datetime1">
               <a:rPr lang="en-US" smtClean="0"/>
-              <a:t>3/12/24</a:t>
+              <a:t>3/15/2024</a:t>
             </a:fld>
             <a:endParaRPr lang="de-CH"/>
           </a:p>
@@ -5293,7 +5338,7 @@
           <a:p>
             <a:fld id="{15FF3686-E283-7E46-BE67-D9085BAE03C1}" type="datetime1">
               <a:rPr lang="en-US" smtClean="0"/>
-              <a:t>3/12/24</a:t>
+              <a:t>3/15/2024</a:t>
             </a:fld>
             <a:endParaRPr lang="de-CH"/>
           </a:p>
@@ -5606,7 +5651,7 @@
           <a:p>
             <a:fld id="{9BA642F2-9B96-C84D-B0BE-743BC9EDDE8F}" type="datetime1">
               <a:rPr lang="en-US" smtClean="0"/>
-              <a:t>3/12/24</a:t>
+              <a:t>3/15/2024</a:t>
             </a:fld>
             <a:endParaRPr lang="de-CH"/>
           </a:p>
@@ -5895,7 +5940,7 @@
           <a:p>
             <a:fld id="{F3DB93E5-7C4A-3E47-9794-DC50B46CE2E0}" type="datetime1">
               <a:rPr lang="en-US" smtClean="0"/>
-              <a:t>3/12/24</a:t>
+              <a:t>3/15/2024</a:t>
             </a:fld>
             <a:endParaRPr lang="de-CH"/>
           </a:p>
@@ -6138,7 +6183,7 @@
           <a:p>
             <a:fld id="{4C62BDD9-8F0A-C04D-9FCE-7BA02685E4FE}" type="datetime1">
               <a:rPr lang="en-US" smtClean="0"/>
-              <a:t>3/12/24</a:t>
+              <a:t>3/15/2024</a:t>
             </a:fld>
             <a:endParaRPr lang="de-CH"/>
           </a:p>
@@ -7864,7 +7909,35 @@
           <a:p>
             <a:r>
               <a:rPr lang="en-US" dirty="0"/>
-              <a:t>How can we validate the subtree of </a:t>
+              <a:t>How can we validate the </a:t>
+            </a:r>
+            <a:r>
+              <a:rPr lang="en-US">
+                <a:highlight>
+                  <a:srgbClr val="FF00FF"/>
+                </a:highlight>
+              </a:rPr>
+              <a:t>schema</a:t>
+            </a:r>
+            <a:r>
+              <a:rPr lang="en-US"/>
+              <a:t> subtree </a:t>
+            </a:r>
+            <a:r>
+              <a:rPr lang="en-US" dirty="0"/>
+              <a:t>of </a:t>
+            </a:r>
+            <a:r>
+              <a:rPr lang="en-US" dirty="0">
+                <a:highlight>
+                  <a:srgbClr val="FF00FF"/>
+                </a:highlight>
+              </a:rPr>
+              <a:t>an</a:t>
+            </a:r>
+            <a:r>
+              <a:rPr lang="en-US" dirty="0"/>
+              <a:t> </a:t>
             </a:r>
             <a:r>
               <a:rPr lang="en-US" dirty="0" err="1"/>
@@ -8551,7 +8624,31 @@
             </a:pPr>
             <a:r>
               <a:rPr lang="en-US" dirty="0"/>
-              <a:t>Is a subtree of </a:t>
+              <a:t>Is a </a:t>
+            </a:r>
+            <a:r>
+              <a:rPr lang="en-US" dirty="0">
+                <a:highlight>
+                  <a:srgbClr val="FF00FF"/>
+                </a:highlight>
+              </a:rPr>
+              <a:t>schema </a:t>
+            </a:r>
+            <a:r>
+              <a:rPr lang="en-US" dirty="0"/>
+              <a:t>subtree of </a:t>
+            </a:r>
+            <a:r>
+              <a:rPr lang="en-US" dirty="0">
+                <a:highlight>
+                  <a:srgbClr val="FF00FF"/>
+                </a:highlight>
+              </a:rPr>
+              <a:t>an</a:t>
+            </a:r>
+            <a:r>
+              <a:rPr lang="en-US" dirty="0"/>
+              <a:t> </a:t>
             </a:r>
             <a:r>
               <a:rPr lang="en-US" dirty="0" err="1"/>
@@ -8559,14 +8656,38 @@
             </a:r>
             <a:r>
               <a:rPr lang="en-US" dirty="0"/>
-              <a:t> node is always specified by a YANG model?</a:t>
+              <a:t> node always specified by a YANG </a:t>
+            </a:r>
+            <a:r>
+              <a:rPr lang="en-US" dirty="0">
+                <a:highlight>
+                  <a:srgbClr val="FF00FF"/>
+                </a:highlight>
+              </a:rPr>
+              <a:t>module</a:t>
+            </a:r>
+            <a:r>
+              <a:rPr lang="en-US" dirty="0"/>
+              <a:t>?</a:t>
             </a:r>
           </a:p>
           <a:p>
             <a:pPr lvl="1"/>
             <a:r>
               <a:rPr lang="en-US" dirty="0"/>
-              <a:t>The spirit of RFC7950 assumes yes, but it’s not explicit in a “MUST” statement.</a:t>
+              <a:t>The spirit of RFC7950 assumes yes, but it’s not explicit </a:t>
+            </a:r>
+            <a:r>
+              <a:rPr lang="en-US" dirty="0">
+                <a:highlight>
+                  <a:srgbClr val="FF00FF"/>
+                </a:highlight>
+              </a:rPr>
+              <a:t>defined</a:t>
+            </a:r>
+            <a:r>
+              <a:rPr lang="en-US" dirty="0"/>
+              <a:t> in a “MUST” statement.</a:t>
             </a:r>
           </a:p>
           <a:p>
@@ -8579,12 +8700,48 @@
               <a:t>Is a subtree of </a:t>
             </a:r>
             <a:r>
+              <a:rPr lang="en-US" dirty="0">
+                <a:highlight>
+                  <a:srgbClr val="FF00FF"/>
+                </a:highlight>
+              </a:rPr>
+              <a:t>an</a:t>
+            </a:r>
+            <a:r>
+              <a:rPr lang="en-US" dirty="0"/>
+              <a:t> </a:t>
+            </a:r>
+            <a:r>
               <a:rPr lang="en-US" dirty="0" err="1"/>
               <a:t>anydata</a:t>
             </a:r>
             <a:r>
               <a:rPr lang="en-US" dirty="0"/>
-              <a:t> is complete subtree of  a valid YANG model?</a:t>
+              <a:t> </a:t>
+            </a:r>
+            <a:r>
+              <a:rPr lang="en-US" dirty="0">
+                <a:highlight>
+                  <a:srgbClr val="FF00FF"/>
+                </a:highlight>
+              </a:rPr>
+              <a:t>a </a:t>
+            </a:r>
+            <a:r>
+              <a:rPr lang="en-US" dirty="0"/>
+              <a:t>complete subtree of a valid YANG </a:t>
+            </a:r>
+            <a:r>
+              <a:rPr lang="en-US" dirty="0">
+                <a:highlight>
+                  <a:srgbClr val="FF00FF"/>
+                </a:highlight>
+              </a:rPr>
+              <a:t>module</a:t>
+            </a:r>
+            <a:r>
+              <a:rPr lang="en-US" dirty="0"/>
+              <a:t>?</a:t>
             </a:r>
           </a:p>
           <a:p>
@@ -8599,7 +8756,31 @@
             </a:r>
             <a:r>
               <a:rPr lang="en-US" dirty="0"/>
-              <a:t> filters gives powerful semantic to only select certain nodes of a subtree in a datastore.</a:t>
+              <a:t> filters </a:t>
+            </a:r>
+            <a:r>
+              <a:rPr lang="en-US" dirty="0">
+                <a:highlight>
+                  <a:srgbClr val="FF00FF"/>
+                </a:highlight>
+              </a:rPr>
+              <a:t>are</a:t>
+            </a:r>
+            <a:r>
+              <a:rPr lang="en-US" dirty="0"/>
+              <a:t> powerful semantic</a:t>
+            </a:r>
+            <a:r>
+              <a:rPr lang="en-US" dirty="0">
+                <a:highlight>
+                  <a:srgbClr val="FF00FF"/>
+                </a:highlight>
+              </a:rPr>
+              <a:t>s</a:t>
+            </a:r>
+            <a:r>
+              <a:rPr lang="en-US" dirty="0"/>
+              <a:t> to select certain nodes of a subtree in a datastore.</a:t>
             </a:r>
           </a:p>
           <a:p>
@@ -9471,7 +9652,19 @@
           <a:p>
             <a:r>
               <a:rPr lang="en-US" dirty="0"/>
-              <a:t>YANG Data JSON &amp; XML encodings always contain full namespace information to identify the relevant model.</a:t>
+              <a:t>YANG Data JSON &amp; XML encodings always contain full namespace information to identify the relevant </a:t>
+            </a:r>
+            <a:r>
+              <a:rPr lang="en-US" dirty="0">
+                <a:highlight>
+                  <a:srgbClr val="FF00FF"/>
+                </a:highlight>
+              </a:rPr>
+              <a:t>YANG module</a:t>
+            </a:r>
+            <a:r>
+              <a:rPr lang="en-US" dirty="0"/>
+              <a:t>.</a:t>
             </a:r>
           </a:p>
         </p:txBody>
